--- a/slides/0010.pptx
+++ b/slides/0010.pptx
@@ -267,7 +267,7 @@
           <a:p>
             <a:fld id="{5AEC58D5-D0FD-5D43-AC21-2C9A8E377766}" type="datetimeFigureOut">
               <a:rPr lang="en-US" smtClean="0"/>
-              <a:t>4/8/18</a:t>
+              <a:t>4/9/18</a:t>
             </a:fld>
             <a:endParaRPr lang="en-US"/>
           </a:p>
@@ -465,7 +465,7 @@
           <a:p>
             <a:fld id="{5AEC58D5-D0FD-5D43-AC21-2C9A8E377766}" type="datetimeFigureOut">
               <a:rPr lang="en-US" smtClean="0"/>
-              <a:t>4/8/18</a:t>
+              <a:t>4/9/18</a:t>
             </a:fld>
             <a:endParaRPr lang="en-US"/>
           </a:p>
@@ -673,7 +673,7 @@
           <a:p>
             <a:fld id="{5AEC58D5-D0FD-5D43-AC21-2C9A8E377766}" type="datetimeFigureOut">
               <a:rPr lang="en-US" smtClean="0"/>
-              <a:t>4/8/18</a:t>
+              <a:t>4/9/18</a:t>
             </a:fld>
             <a:endParaRPr lang="en-US"/>
           </a:p>
@@ -871,7 +871,7 @@
           <a:p>
             <a:fld id="{5AEC58D5-D0FD-5D43-AC21-2C9A8E377766}" type="datetimeFigureOut">
               <a:rPr lang="en-US" smtClean="0"/>
-              <a:t>4/8/18</a:t>
+              <a:t>4/9/18</a:t>
             </a:fld>
             <a:endParaRPr lang="en-US"/>
           </a:p>
@@ -1146,7 +1146,7 @@
           <a:p>
             <a:fld id="{5AEC58D5-D0FD-5D43-AC21-2C9A8E377766}" type="datetimeFigureOut">
               <a:rPr lang="en-US" smtClean="0"/>
-              <a:t>4/8/18</a:t>
+              <a:t>4/9/18</a:t>
             </a:fld>
             <a:endParaRPr lang="en-US"/>
           </a:p>
@@ -1411,7 +1411,7 @@
           <a:p>
             <a:fld id="{5AEC58D5-D0FD-5D43-AC21-2C9A8E377766}" type="datetimeFigureOut">
               <a:rPr lang="en-US" smtClean="0"/>
-              <a:t>4/8/18</a:t>
+              <a:t>4/9/18</a:t>
             </a:fld>
             <a:endParaRPr lang="en-US"/>
           </a:p>
@@ -1823,7 +1823,7 @@
           <a:p>
             <a:fld id="{5AEC58D5-D0FD-5D43-AC21-2C9A8E377766}" type="datetimeFigureOut">
               <a:rPr lang="en-US" smtClean="0"/>
-              <a:t>4/8/18</a:t>
+              <a:t>4/9/18</a:t>
             </a:fld>
             <a:endParaRPr lang="en-US"/>
           </a:p>
@@ -1964,7 +1964,7 @@
           <a:p>
             <a:fld id="{5AEC58D5-D0FD-5D43-AC21-2C9A8E377766}" type="datetimeFigureOut">
               <a:rPr lang="en-US" smtClean="0"/>
-              <a:t>4/8/18</a:t>
+              <a:t>4/9/18</a:t>
             </a:fld>
             <a:endParaRPr lang="en-US"/>
           </a:p>
@@ -2077,7 +2077,7 @@
           <a:p>
             <a:fld id="{5AEC58D5-D0FD-5D43-AC21-2C9A8E377766}" type="datetimeFigureOut">
               <a:rPr lang="en-US" smtClean="0"/>
-              <a:t>4/8/18</a:t>
+              <a:t>4/9/18</a:t>
             </a:fld>
             <a:endParaRPr lang="en-US"/>
           </a:p>
@@ -2388,7 +2388,7 @@
           <a:p>
             <a:fld id="{5AEC58D5-D0FD-5D43-AC21-2C9A8E377766}" type="datetimeFigureOut">
               <a:rPr lang="en-US" smtClean="0"/>
-              <a:t>4/8/18</a:t>
+              <a:t>4/9/18</a:t>
             </a:fld>
             <a:endParaRPr lang="en-US"/>
           </a:p>
@@ -2676,7 +2676,7 @@
           <a:p>
             <a:fld id="{5AEC58D5-D0FD-5D43-AC21-2C9A8E377766}" type="datetimeFigureOut">
               <a:rPr lang="en-US" smtClean="0"/>
-              <a:t>4/8/18</a:t>
+              <a:t>4/9/18</a:t>
             </a:fld>
             <a:endParaRPr lang="en-US"/>
           </a:p>
@@ -2917,7 +2917,7 @@
           <a:p>
             <a:fld id="{5AEC58D5-D0FD-5D43-AC21-2C9A8E377766}" type="datetimeFigureOut">
               <a:rPr lang="en-US" smtClean="0"/>
-              <a:t>4/8/18</a:t>
+              <a:t>4/9/18</a:t>
             </a:fld>
             <a:endParaRPr lang="en-US"/>
           </a:p>
@@ -3840,7 +3840,7 @@
         </p:blipFill>
         <p:spPr>
           <a:xfrm>
-            <a:off x="9097809" y="478121"/>
+            <a:off x="9165234" y="565361"/>
             <a:ext cx="1729786" cy="1729786"/>
           </a:xfrm>
           <a:prstGeom prst="rect">
@@ -3876,7 +3876,7 @@
         </p:blipFill>
         <p:spPr>
           <a:xfrm>
-            <a:off x="1808240" y="210924"/>
+            <a:off x="1782329" y="255470"/>
             <a:ext cx="2181526" cy="1822216"/>
           </a:xfrm>
           <a:prstGeom prst="rect">
@@ -3912,7 +3912,7 @@
         </p:blipFill>
         <p:spPr>
           <a:xfrm>
-            <a:off x="2562472" y="3615622"/>
+            <a:off x="2552846" y="3413492"/>
             <a:ext cx="1701800" cy="1701800"/>
           </a:xfrm>
           <a:prstGeom prst="rect">
@@ -3934,7 +3934,7 @@
         </p:nvSpPr>
         <p:spPr>
           <a:xfrm>
-            <a:off x="1434260" y="2374339"/>
+            <a:off x="1424634" y="2172209"/>
             <a:ext cx="2242685" cy="548239"/>
           </a:xfrm>
           <a:prstGeom prst="rect">
@@ -3983,7 +3983,7 @@
         </p:nvSpPr>
         <p:spPr>
           <a:xfrm>
-            <a:off x="1529109" y="2451139"/>
+            <a:off x="1519483" y="2249009"/>
             <a:ext cx="394635" cy="394635"/>
           </a:xfrm>
           <a:prstGeom prst="rect">
@@ -4037,7 +4037,7 @@
         </p:nvSpPr>
         <p:spPr>
           <a:xfrm>
-            <a:off x="2208844" y="2451139"/>
+            <a:off x="2199218" y="2249009"/>
             <a:ext cx="394635" cy="394635"/>
           </a:xfrm>
           <a:prstGeom prst="rect">
@@ -4091,7 +4091,7 @@
         </p:nvSpPr>
         <p:spPr>
           <a:xfrm>
-            <a:off x="2691261" y="2451139"/>
+            <a:off x="2681635" y="2249009"/>
             <a:ext cx="394635" cy="394635"/>
           </a:xfrm>
           <a:prstGeom prst="rect">
@@ -4145,7 +4145,7 @@
         </p:nvSpPr>
         <p:spPr>
           <a:xfrm>
-            <a:off x="3173678" y="2455852"/>
+            <a:off x="3164052" y="2253722"/>
             <a:ext cx="394635" cy="394635"/>
           </a:xfrm>
           <a:prstGeom prst="rect">
@@ -4199,7 +4199,7 @@
         </p:nvSpPr>
         <p:spPr>
           <a:xfrm>
-            <a:off x="8941870" y="2397151"/>
+            <a:off x="8932244" y="2195021"/>
             <a:ext cx="2041665" cy="548239"/>
           </a:xfrm>
           <a:prstGeom prst="rect">
@@ -4248,7 +4248,7 @@
         </p:nvSpPr>
         <p:spPr>
           <a:xfrm>
-            <a:off x="9515434" y="2473951"/>
+            <a:off x="9505808" y="2271821"/>
             <a:ext cx="394635" cy="394635"/>
           </a:xfrm>
           <a:prstGeom prst="rect">
@@ -4302,7 +4302,7 @@
         </p:nvSpPr>
         <p:spPr>
           <a:xfrm>
-            <a:off x="9997851" y="2473951"/>
+            <a:off x="9988225" y="2271821"/>
             <a:ext cx="394635" cy="394635"/>
           </a:xfrm>
           <a:prstGeom prst="rect">
@@ -4356,7 +4356,7 @@
         </p:nvSpPr>
         <p:spPr>
           <a:xfrm>
-            <a:off x="10480268" y="2478664"/>
+            <a:off x="10470642" y="2276534"/>
             <a:ext cx="394635" cy="394635"/>
           </a:xfrm>
           <a:prstGeom prst="rect">
@@ -4410,7 +4410,7 @@
         </p:nvSpPr>
         <p:spPr>
           <a:xfrm>
-            <a:off x="9033017" y="2476207"/>
+            <a:off x="9023391" y="2274077"/>
             <a:ext cx="394635" cy="394635"/>
           </a:xfrm>
           <a:prstGeom prst="rect">
@@ -4478,7 +4478,7 @@
         </p:blipFill>
         <p:spPr>
           <a:xfrm>
-            <a:off x="6494681" y="238450"/>
+            <a:off x="6541766" y="245946"/>
             <a:ext cx="2181526" cy="1822216"/>
           </a:xfrm>
           <a:prstGeom prst="rect">
@@ -4500,7 +4500,7 @@
         </p:nvSpPr>
         <p:spPr>
           <a:xfrm>
-            <a:off x="6120701" y="2401865"/>
+            <a:off x="6111075" y="2199735"/>
             <a:ext cx="2242685" cy="548239"/>
           </a:xfrm>
           <a:prstGeom prst="rect">
@@ -4549,7 +4549,7 @@
         </p:nvSpPr>
         <p:spPr>
           <a:xfrm>
-            <a:off x="6215550" y="2478665"/>
+            <a:off x="6205924" y="2276535"/>
             <a:ext cx="394635" cy="394635"/>
           </a:xfrm>
           <a:prstGeom prst="rect">
@@ -4603,7 +4603,7 @@
         </p:nvSpPr>
         <p:spPr>
           <a:xfrm>
-            <a:off x="6895285" y="2478665"/>
+            <a:off x="6885659" y="2276535"/>
             <a:ext cx="394635" cy="394635"/>
           </a:xfrm>
           <a:prstGeom prst="rect">
@@ -4657,7 +4657,7 @@
         </p:nvSpPr>
         <p:spPr>
           <a:xfrm>
-            <a:off x="7377702" y="2478665"/>
+            <a:off x="7368076" y="2276535"/>
             <a:ext cx="394635" cy="394635"/>
           </a:xfrm>
           <a:prstGeom prst="rect">
@@ -4711,7 +4711,7 @@
         </p:nvSpPr>
         <p:spPr>
           <a:xfrm>
-            <a:off x="7860119" y="2483378"/>
+            <a:off x="7850493" y="2281248"/>
             <a:ext cx="394635" cy="394635"/>
           </a:xfrm>
           <a:prstGeom prst="rect">
@@ -4765,7 +4765,7 @@
         </p:nvCxnSpPr>
         <p:spPr>
           <a:xfrm flipH="1">
-            <a:off x="2035838" y="2677036"/>
+            <a:off x="2026212" y="2474906"/>
             <a:ext cx="357395" cy="1122679"/>
           </a:xfrm>
           <a:prstGeom prst="line">
@@ -4808,7 +4808,7 @@
         </p:nvCxnSpPr>
         <p:spPr>
           <a:xfrm>
-            <a:off x="2882718" y="2716985"/>
+            <a:off x="2873092" y="2514855"/>
             <a:ext cx="259078" cy="1082730"/>
           </a:xfrm>
           <a:prstGeom prst="line">
@@ -4863,7 +4863,7 @@
         </p:blipFill>
         <p:spPr>
           <a:xfrm>
-            <a:off x="924514" y="5598778"/>
+            <a:off x="914888" y="5396648"/>
             <a:ext cx="893333" cy="893333"/>
           </a:xfrm>
           <a:prstGeom prst="rect">
@@ -4899,7 +4899,7 @@
         </p:blipFill>
         <p:spPr>
           <a:xfrm>
-            <a:off x="7269950" y="3680397"/>
+            <a:off x="7260324" y="3478267"/>
             <a:ext cx="1701800" cy="1701800"/>
           </a:xfrm>
           <a:prstGeom prst="rect">
@@ -4921,7 +4921,7 @@
         </p:nvCxnSpPr>
         <p:spPr>
           <a:xfrm flipH="1">
-            <a:off x="6743316" y="2741811"/>
+            <a:off x="6733690" y="2539681"/>
             <a:ext cx="357395" cy="1122679"/>
           </a:xfrm>
           <a:prstGeom prst="line">
@@ -4964,7 +4964,7 @@
         </p:nvCxnSpPr>
         <p:spPr>
           <a:xfrm>
-            <a:off x="7590196" y="2781760"/>
+            <a:off x="7580570" y="2579630"/>
             <a:ext cx="259078" cy="1082730"/>
           </a:xfrm>
           <a:prstGeom prst="line">
@@ -5007,7 +5007,7 @@
         </p:nvCxnSpPr>
         <p:spPr>
           <a:xfrm>
-            <a:off x="8092438" y="2684059"/>
+            <a:off x="8082812" y="2481929"/>
             <a:ext cx="1108302" cy="0"/>
           </a:xfrm>
           <a:prstGeom prst="line">
@@ -5062,7 +5062,7 @@
         </p:blipFill>
         <p:spPr>
           <a:xfrm>
-            <a:off x="9200740" y="3876293"/>
+            <a:off x="9191114" y="3674163"/>
             <a:ext cx="1213785" cy="1213785"/>
           </a:xfrm>
           <a:prstGeom prst="rect">
@@ -5084,7 +5084,7 @@
         </p:nvSpPr>
         <p:spPr>
           <a:xfrm>
-            <a:off x="4582167" y="2397151"/>
+            <a:off x="4572541" y="2195021"/>
             <a:ext cx="930135" cy="763497"/>
           </a:xfrm>
           <a:prstGeom prst="rightArrow">
@@ -5133,7 +5133,7 @@
         </p:nvSpPr>
         <p:spPr>
           <a:xfrm>
-            <a:off x="3173678" y="5719757"/>
+            <a:off x="3164052" y="5517627"/>
             <a:ext cx="1415772" cy="830997"/>
           </a:xfrm>
           <a:prstGeom prst="rect">
@@ -5176,7 +5176,7 @@
         </p:nvSpPr>
         <p:spPr>
           <a:xfrm>
-            <a:off x="6462284" y="5661114"/>
+            <a:off x="6452658" y="5458984"/>
             <a:ext cx="4371710" cy="830997"/>
           </a:xfrm>
           <a:prstGeom prst="rect">
@@ -5230,7 +5230,7 @@
         </p:nvCxnSpPr>
         <p:spPr>
           <a:xfrm>
-            <a:off x="817174" y="2690518"/>
+            <a:off x="807548" y="2488388"/>
             <a:ext cx="882156" cy="0"/>
           </a:xfrm>
           <a:prstGeom prst="line">
@@ -5271,7 +5271,7 @@
         </p:nvSpPr>
         <p:spPr>
           <a:xfrm>
-            <a:off x="167370" y="2700004"/>
+            <a:off x="157744" y="2497874"/>
             <a:ext cx="1222642" cy="461665"/>
           </a:xfrm>
           <a:prstGeom prst="rect">
@@ -5306,7 +5306,7 @@
         </p:nvSpPr>
         <p:spPr>
           <a:xfrm>
-            <a:off x="787217" y="3605849"/>
+            <a:off x="777591" y="3403719"/>
             <a:ext cx="3678901" cy="1776348"/>
           </a:xfrm>
           <a:prstGeom prst="roundRect">
@@ -5358,7 +5358,7 @@
         </p:nvSpPr>
         <p:spPr>
           <a:xfrm>
-            <a:off x="5574478" y="3605849"/>
+            <a:off x="5564852" y="3403719"/>
             <a:ext cx="6322347" cy="1776348"/>
           </a:xfrm>
           <a:prstGeom prst="roundRect">
@@ -5412,7 +5412,7 @@
         </p:nvCxnSpPr>
         <p:spPr>
           <a:xfrm flipV="1">
-            <a:off x="9754891" y="2741812"/>
+            <a:off x="9745265" y="2539682"/>
             <a:ext cx="0" cy="1057903"/>
           </a:xfrm>
           <a:prstGeom prst="line">
@@ -5455,7 +5455,7 @@
         </p:nvCxnSpPr>
         <p:spPr>
           <a:xfrm flipH="1" flipV="1">
-            <a:off x="10193154" y="2716985"/>
+            <a:off x="10183528" y="2514855"/>
             <a:ext cx="790381" cy="1082730"/>
           </a:xfrm>
           <a:prstGeom prst="line">
@@ -5510,7 +5510,7 @@
         </p:blipFill>
         <p:spPr>
           <a:xfrm>
-            <a:off x="1923744" y="5532226"/>
+            <a:off x="1914118" y="5330096"/>
             <a:ext cx="1199219" cy="1199219"/>
           </a:xfrm>
           <a:prstGeom prst="rect">
@@ -5546,7 +5546,7 @@
         </p:blipFill>
         <p:spPr>
           <a:xfrm>
-            <a:off x="1081787" y="3820653"/>
+            <a:off x="1072161" y="3618523"/>
             <a:ext cx="1426430" cy="1426430"/>
           </a:xfrm>
           <a:prstGeom prst="rect">
@@ -5582,7 +5582,7 @@
         </p:blipFill>
         <p:spPr>
           <a:xfrm>
-            <a:off x="10414525" y="3852542"/>
+            <a:off x="10404899" y="3650412"/>
             <a:ext cx="1308481" cy="1308481"/>
           </a:xfrm>
           <a:prstGeom prst="rect">
@@ -5618,7 +5618,7 @@
         </p:blipFill>
         <p:spPr>
           <a:xfrm>
-            <a:off x="5749069" y="3773181"/>
+            <a:off x="5739443" y="3571051"/>
             <a:ext cx="1426430" cy="1426430"/>
           </a:xfrm>
           <a:prstGeom prst="rect">
@@ -6556,7 +6556,7 @@
         </p:nvSpPr>
         <p:spPr>
           <a:xfrm>
-            <a:off x="2181097" y="5984783"/>
+            <a:off x="2133568" y="5811284"/>
             <a:ext cx="1565685" cy="461665"/>
           </a:xfrm>
           <a:prstGeom prst="rect">
@@ -6595,7 +6595,7 @@
         </p:nvSpPr>
         <p:spPr>
           <a:xfrm>
-            <a:off x="7605779" y="5949026"/>
+            <a:off x="7558250" y="5775527"/>
             <a:ext cx="1565685" cy="461665"/>
           </a:xfrm>
           <a:prstGeom prst="rect">
@@ -6634,7 +6634,7 @@
         </p:nvSpPr>
         <p:spPr>
           <a:xfrm>
-            <a:off x="5283135" y="5949025"/>
+            <a:off x="5235606" y="5775526"/>
             <a:ext cx="1552861" cy="461665"/>
           </a:xfrm>
           <a:prstGeom prst="rect">
@@ -6673,7 +6673,7 @@
         </p:nvSpPr>
         <p:spPr>
           <a:xfrm>
-            <a:off x="9727948" y="5879807"/>
+            <a:off x="9632293" y="5762009"/>
             <a:ext cx="1552861" cy="461665"/>
           </a:xfrm>
           <a:prstGeom prst="rect">
@@ -8815,10 +8815,10 @@
       </p:grpSpPr>
       <p:sp>
         <p:nvSpPr>
-          <p:cNvPr id="11" name="Oval 10">
-            <a:extLst>
-              <a:ext uri="{FF2B5EF4-FFF2-40B4-BE49-F238E27FC236}">
-                <a16:creationId xmlns:a16="http://schemas.microsoft.com/office/drawing/2014/main" id="{EC402DCF-3B10-284E-A7D2-F772884CE854}"/>
+          <p:cNvPr id="14" name="Cloud 13">
+            <a:extLst>
+              <a:ext uri="{FF2B5EF4-FFF2-40B4-BE49-F238E27FC236}">
+                <a16:creationId xmlns:a16="http://schemas.microsoft.com/office/drawing/2014/main" id="{9B36B446-9D2B-5C47-B220-B5C348E3F940}"/>
               </a:ext>
             </a:extLst>
           </p:cNvPr>
@@ -8827,12 +8827,15 @@
         </p:nvSpPr>
         <p:spPr>
           <a:xfrm>
-            <a:off x="1473468" y="4760827"/>
-            <a:ext cx="1782787" cy="1532969"/>
-          </a:xfrm>
-          <a:prstGeom prst="ellipse">
-            <a:avLst/>
-          </a:prstGeom>
+            <a:off x="1365183" y="782553"/>
+            <a:ext cx="8962724" cy="1626669"/>
+          </a:xfrm>
+          <a:prstGeom prst="cloud">
+            <a:avLst/>
+          </a:prstGeom>
+          <a:solidFill>
+            <a:schemeClr val="bg2"/>
+          </a:solidFill>
           <a:ln>
             <a:noFill/>
           </a:ln>
@@ -8858,16 +8861,377 @@
           <a:lstStyle/>
           <a:p>
             <a:pPr algn="ctr"/>
-            <a:endParaRPr lang="en-US" dirty="0"/>
-          </a:p>
-        </p:txBody>
-      </p:sp>
-      <p:sp>
-        <p:nvSpPr>
-          <p:cNvPr id="14" name="Cloud 13">
-            <a:extLst>
-              <a:ext uri="{FF2B5EF4-FFF2-40B4-BE49-F238E27FC236}">
-                <a16:creationId xmlns:a16="http://schemas.microsoft.com/office/drawing/2014/main" id="{9B36B446-9D2B-5C47-B220-B5C348E3F940}"/>
+            <a:endParaRPr lang="en-US"/>
+          </a:p>
+        </p:txBody>
+      </p:sp>
+      <p:pic>
+        <p:nvPicPr>
+          <p:cNvPr id="17" name="Picture 16">
+            <a:extLst>
+              <a:ext uri="{FF2B5EF4-FFF2-40B4-BE49-F238E27FC236}">
+                <a16:creationId xmlns:a16="http://schemas.microsoft.com/office/drawing/2014/main" id="{81C85328-8BAE-9F44-8379-7D19B3DFC44F}"/>
+              </a:ext>
+            </a:extLst>
+          </p:cNvPr>
+          <p:cNvPicPr>
+            <a:picLocks noChangeAspect="1"/>
+          </p:cNvPicPr>
+          <p:nvPr/>
+        </p:nvPicPr>
+        <p:blipFill>
+          <a:blip r:embed="rId2">
+            <a:extLst>
+              <a:ext uri="{28A0092B-C50C-407E-A947-70E740481C1C}">
+                <a14:useLocalDpi xmlns:a14="http://schemas.microsoft.com/office/drawing/2010/main" val="0"/>
+              </a:ext>
+            </a:extLst>
+          </a:blip>
+          <a:stretch>
+            <a:fillRect/>
+          </a:stretch>
+        </p:blipFill>
+        <p:spPr>
+          <a:xfrm>
+            <a:off x="4056428" y="1083918"/>
+            <a:ext cx="1242823" cy="699436"/>
+          </a:xfrm>
+          <a:prstGeom prst="rect">
+            <a:avLst/>
+          </a:prstGeom>
+        </p:spPr>
+      </p:pic>
+      <p:pic>
+        <p:nvPicPr>
+          <p:cNvPr id="18" name="Picture 17">
+            <a:extLst>
+              <a:ext uri="{FF2B5EF4-FFF2-40B4-BE49-F238E27FC236}">
+                <a16:creationId xmlns:a16="http://schemas.microsoft.com/office/drawing/2014/main" id="{119AB775-8F05-3345-8DB0-6DF70774B89B}"/>
+              </a:ext>
+            </a:extLst>
+          </p:cNvPr>
+          <p:cNvPicPr>
+            <a:picLocks noChangeAspect="1"/>
+          </p:cNvPicPr>
+          <p:nvPr/>
+        </p:nvPicPr>
+        <p:blipFill>
+          <a:blip r:embed="rId2">
+            <a:extLst>
+              <a:ext uri="{28A0092B-C50C-407E-A947-70E740481C1C}">
+                <a14:useLocalDpi xmlns:a14="http://schemas.microsoft.com/office/drawing/2010/main" val="0"/>
+              </a:ext>
+            </a:extLst>
+          </a:blip>
+          <a:stretch>
+            <a:fillRect/>
+          </a:stretch>
+        </p:blipFill>
+        <p:spPr>
+          <a:xfrm>
+            <a:off x="6498197" y="1112301"/>
+            <a:ext cx="1192389" cy="671053"/>
+          </a:xfrm>
+          <a:prstGeom prst="rect">
+            <a:avLst/>
+          </a:prstGeom>
+        </p:spPr>
+      </p:pic>
+      <p:sp>
+        <p:nvSpPr>
+          <p:cNvPr id="31" name="TextBox 30">
+            <a:extLst>
+              <a:ext uri="{FF2B5EF4-FFF2-40B4-BE49-F238E27FC236}">
+                <a16:creationId xmlns:a16="http://schemas.microsoft.com/office/drawing/2014/main" id="{1926C2CC-3100-4440-B1CD-1C74EB937444}"/>
+              </a:ext>
+            </a:extLst>
+          </p:cNvPr>
+          <p:cNvSpPr txBox="1"/>
+          <p:nvPr/>
+        </p:nvSpPr>
+        <p:spPr>
+          <a:xfrm>
+            <a:off x="5130309" y="1746972"/>
+            <a:ext cx="1536831" cy="584775"/>
+          </a:xfrm>
+          <a:prstGeom prst="rect">
+            <a:avLst/>
+          </a:prstGeom>
+          <a:noFill/>
+        </p:spPr>
+        <p:txBody>
+          <a:bodyPr wrap="none" rtlCol="0">
+            <a:spAutoFit/>
+          </a:bodyPr>
+          <a:lstStyle/>
+          <a:p>
+            <a:r>
+              <a:rPr lang="en-US" sz="3200" dirty="0"/>
+              <a:t>Internet</a:t>
+            </a:r>
+          </a:p>
+        </p:txBody>
+      </p:sp>
+      <p:cxnSp>
+        <p:nvCxnSpPr>
+          <p:cNvPr id="4" name="Straight Connector 3">
+            <a:extLst>
+              <a:ext uri="{FF2B5EF4-FFF2-40B4-BE49-F238E27FC236}">
+                <a16:creationId xmlns:a16="http://schemas.microsoft.com/office/drawing/2014/main" id="{6C471A6F-EC04-6E42-8DA2-B798D3577182}"/>
+              </a:ext>
+            </a:extLst>
+          </p:cNvPr>
+          <p:cNvCxnSpPr/>
+          <p:nvPr/>
+        </p:nvCxnSpPr>
+        <p:spPr>
+          <a:xfrm>
+            <a:off x="3581349" y="4177364"/>
+            <a:ext cx="711518" cy="885524"/>
+          </a:xfrm>
+          <a:prstGeom prst="line">
+            <a:avLst/>
+          </a:prstGeom>
+          <a:ln w="38100">
+            <a:solidFill>
+              <a:schemeClr val="tx1"/>
+            </a:solidFill>
+          </a:ln>
+        </p:spPr>
+        <p:style>
+          <a:lnRef idx="1">
+            <a:schemeClr val="accent1"/>
+          </a:lnRef>
+          <a:fillRef idx="0">
+            <a:schemeClr val="accent1"/>
+          </a:fillRef>
+          <a:effectRef idx="0">
+            <a:schemeClr val="accent1"/>
+          </a:effectRef>
+          <a:fontRef idx="minor">
+            <a:schemeClr val="tx1"/>
+          </a:fontRef>
+        </p:style>
+      </p:cxnSp>
+      <p:cxnSp>
+        <p:nvCxnSpPr>
+          <p:cNvPr id="25" name="Straight Connector 24">
+            <a:extLst>
+              <a:ext uri="{FF2B5EF4-FFF2-40B4-BE49-F238E27FC236}">
+                <a16:creationId xmlns:a16="http://schemas.microsoft.com/office/drawing/2014/main" id="{6A07A2BC-9E40-5045-A719-5B3E83B154FA}"/>
+              </a:ext>
+            </a:extLst>
+          </p:cNvPr>
+          <p:cNvCxnSpPr>
+            <a:cxnSpLocks/>
+          </p:cNvCxnSpPr>
+          <p:nvPr/>
+        </p:nvCxnSpPr>
+        <p:spPr>
+          <a:xfrm flipH="1">
+            <a:off x="2358189" y="4177364"/>
+            <a:ext cx="791051" cy="991402"/>
+          </a:xfrm>
+          <a:prstGeom prst="line">
+            <a:avLst/>
+          </a:prstGeom>
+          <a:ln w="38100">
+            <a:solidFill>
+              <a:schemeClr val="tx1"/>
+            </a:solidFill>
+          </a:ln>
+        </p:spPr>
+        <p:style>
+          <a:lnRef idx="1">
+            <a:schemeClr val="accent1"/>
+          </a:lnRef>
+          <a:fillRef idx="0">
+            <a:schemeClr val="accent1"/>
+          </a:fillRef>
+          <a:effectRef idx="0">
+            <a:schemeClr val="accent1"/>
+          </a:effectRef>
+          <a:fontRef idx="minor">
+            <a:schemeClr val="tx1"/>
+          </a:fontRef>
+        </p:style>
+      </p:cxnSp>
+      <p:cxnSp>
+        <p:nvCxnSpPr>
+          <p:cNvPr id="33" name="Straight Connector 32">
+            <a:extLst>
+              <a:ext uri="{FF2B5EF4-FFF2-40B4-BE49-F238E27FC236}">
+                <a16:creationId xmlns:a16="http://schemas.microsoft.com/office/drawing/2014/main" id="{1602C6D0-F3D4-7448-8737-3594E90E9594}"/>
+              </a:ext>
+            </a:extLst>
+          </p:cNvPr>
+          <p:cNvCxnSpPr>
+            <a:cxnSpLocks/>
+          </p:cNvCxnSpPr>
+          <p:nvPr/>
+        </p:nvCxnSpPr>
+        <p:spPr>
+          <a:xfrm>
+            <a:off x="3368842" y="3166712"/>
+            <a:ext cx="0" cy="1010652"/>
+          </a:xfrm>
+          <a:prstGeom prst="line">
+            <a:avLst/>
+          </a:prstGeom>
+          <a:ln w="38100">
+            <a:solidFill>
+              <a:schemeClr val="tx1"/>
+            </a:solidFill>
+          </a:ln>
+        </p:spPr>
+        <p:style>
+          <a:lnRef idx="1">
+            <a:schemeClr val="accent1"/>
+          </a:lnRef>
+          <a:fillRef idx="0">
+            <a:schemeClr val="accent1"/>
+          </a:fillRef>
+          <a:effectRef idx="0">
+            <a:schemeClr val="accent1"/>
+          </a:effectRef>
+          <a:fontRef idx="minor">
+            <a:schemeClr val="tx1"/>
+          </a:fontRef>
+        </p:style>
+      </p:cxnSp>
+      <p:cxnSp>
+        <p:nvCxnSpPr>
+          <p:cNvPr id="34" name="Straight Connector 33">
+            <a:extLst>
+              <a:ext uri="{FF2B5EF4-FFF2-40B4-BE49-F238E27FC236}">
+                <a16:creationId xmlns:a16="http://schemas.microsoft.com/office/drawing/2014/main" id="{9B1046A2-CB46-0649-B29F-138173E983A3}"/>
+              </a:ext>
+            </a:extLst>
+          </p:cNvPr>
+          <p:cNvCxnSpPr/>
+          <p:nvPr/>
+        </p:nvCxnSpPr>
+        <p:spPr>
+          <a:xfrm>
+            <a:off x="8893571" y="4207744"/>
+            <a:ext cx="711518" cy="885524"/>
+          </a:xfrm>
+          <a:prstGeom prst="line">
+            <a:avLst/>
+          </a:prstGeom>
+          <a:ln w="38100">
+            <a:solidFill>
+              <a:schemeClr val="tx1"/>
+            </a:solidFill>
+          </a:ln>
+        </p:spPr>
+        <p:style>
+          <a:lnRef idx="1">
+            <a:schemeClr val="accent1"/>
+          </a:lnRef>
+          <a:fillRef idx="0">
+            <a:schemeClr val="accent1"/>
+          </a:fillRef>
+          <a:effectRef idx="0">
+            <a:schemeClr val="accent1"/>
+          </a:effectRef>
+          <a:fontRef idx="minor">
+            <a:schemeClr val="tx1"/>
+          </a:fontRef>
+        </p:style>
+      </p:cxnSp>
+      <p:cxnSp>
+        <p:nvCxnSpPr>
+          <p:cNvPr id="35" name="Straight Connector 34">
+            <a:extLst>
+              <a:ext uri="{FF2B5EF4-FFF2-40B4-BE49-F238E27FC236}">
+                <a16:creationId xmlns:a16="http://schemas.microsoft.com/office/drawing/2014/main" id="{969852DF-76EF-1843-9FEF-20F9353C4749}"/>
+              </a:ext>
+            </a:extLst>
+          </p:cNvPr>
+          <p:cNvCxnSpPr>
+            <a:cxnSpLocks/>
+          </p:cNvCxnSpPr>
+          <p:nvPr/>
+        </p:nvCxnSpPr>
+        <p:spPr>
+          <a:xfrm flipH="1">
+            <a:off x="7670411" y="4207744"/>
+            <a:ext cx="791051" cy="991402"/>
+          </a:xfrm>
+          <a:prstGeom prst="line">
+            <a:avLst/>
+          </a:prstGeom>
+          <a:ln w="38100">
+            <a:solidFill>
+              <a:schemeClr val="tx1"/>
+            </a:solidFill>
+          </a:ln>
+        </p:spPr>
+        <p:style>
+          <a:lnRef idx="1">
+            <a:schemeClr val="accent1"/>
+          </a:lnRef>
+          <a:fillRef idx="0">
+            <a:schemeClr val="accent1"/>
+          </a:fillRef>
+          <a:effectRef idx="0">
+            <a:schemeClr val="accent1"/>
+          </a:effectRef>
+          <a:fontRef idx="minor">
+            <a:schemeClr val="tx1"/>
+          </a:fontRef>
+        </p:style>
+      </p:cxnSp>
+      <p:cxnSp>
+        <p:nvCxnSpPr>
+          <p:cNvPr id="36" name="Straight Connector 35">
+            <a:extLst>
+              <a:ext uri="{FF2B5EF4-FFF2-40B4-BE49-F238E27FC236}">
+                <a16:creationId xmlns:a16="http://schemas.microsoft.com/office/drawing/2014/main" id="{3A078B73-B9EF-884A-9209-D8057510CD12}"/>
+              </a:ext>
+            </a:extLst>
+          </p:cNvPr>
+          <p:cNvCxnSpPr>
+            <a:cxnSpLocks/>
+          </p:cNvCxnSpPr>
+          <p:nvPr/>
+        </p:nvCxnSpPr>
+        <p:spPr>
+          <a:xfrm>
+            <a:off x="8681064" y="3197092"/>
+            <a:ext cx="0" cy="1010652"/>
+          </a:xfrm>
+          <a:prstGeom prst="line">
+            <a:avLst/>
+          </a:prstGeom>
+          <a:ln w="38100">
+            <a:solidFill>
+              <a:schemeClr val="tx1"/>
+            </a:solidFill>
+          </a:ln>
+        </p:spPr>
+        <p:style>
+          <a:lnRef idx="1">
+            <a:schemeClr val="accent1"/>
+          </a:lnRef>
+          <a:fillRef idx="0">
+            <a:schemeClr val="accent1"/>
+          </a:fillRef>
+          <a:effectRef idx="0">
+            <a:schemeClr val="accent1"/>
+          </a:effectRef>
+          <a:fontRef idx="minor">
+            <a:schemeClr val="tx1"/>
+          </a:fontRef>
+        </p:style>
+      </p:cxnSp>
+      <p:sp>
+        <p:nvSpPr>
+          <p:cNvPr id="45" name="Oval 44">
+            <a:extLst>
+              <a:ext uri="{FF2B5EF4-FFF2-40B4-BE49-F238E27FC236}">
+                <a16:creationId xmlns:a16="http://schemas.microsoft.com/office/drawing/2014/main" id="{C6359425-26BF-B14E-94EE-3ECB4B02F43C}"/>
               </a:ext>
             </a:extLst>
           </p:cNvPr>
@@ -8876,15 +9240,12 @@
         </p:nvSpPr>
         <p:spPr>
           <a:xfrm>
-            <a:off x="1365183" y="782553"/>
-            <a:ext cx="8962724" cy="1626669"/>
-          </a:xfrm>
-          <a:prstGeom prst="cloud">
-            <a:avLst/>
-          </a:prstGeom>
-          <a:solidFill>
-            <a:schemeClr val="bg2"/>
-          </a:solidFill>
+            <a:off x="1473468" y="4760827"/>
+            <a:ext cx="1782787" cy="1532969"/>
+          </a:xfrm>
+          <a:prstGeom prst="ellipse">
+            <a:avLst/>
+          </a:prstGeom>
           <a:ln>
             <a:noFill/>
           </a:ln>
@@ -8910,16 +9271,55 @@
           <a:lstStyle/>
           <a:p>
             <a:pPr algn="ctr"/>
-            <a:endParaRPr lang="en-US"/>
-          </a:p>
-        </p:txBody>
-      </p:sp>
-      <p:sp>
-        <p:nvSpPr>
-          <p:cNvPr id="15" name="Oval 14">
-            <a:extLst>
-              <a:ext uri="{FF2B5EF4-FFF2-40B4-BE49-F238E27FC236}">
-                <a16:creationId xmlns:a16="http://schemas.microsoft.com/office/drawing/2014/main" id="{7895FEB3-7527-DC41-B5D0-658BBD54029D}"/>
+            <a:endParaRPr lang="en-US" dirty="0"/>
+          </a:p>
+        </p:txBody>
+      </p:sp>
+      <p:sp>
+        <p:nvSpPr>
+          <p:cNvPr id="46" name="TextBox 45">
+            <a:extLst>
+              <a:ext uri="{FF2B5EF4-FFF2-40B4-BE49-F238E27FC236}">
+                <a16:creationId xmlns:a16="http://schemas.microsoft.com/office/drawing/2014/main" id="{93C9AC6E-420E-104F-9E88-E4399310F86F}"/>
+              </a:ext>
+            </a:extLst>
+          </p:cNvPr>
+          <p:cNvSpPr txBox="1"/>
+          <p:nvPr/>
+        </p:nvSpPr>
+        <p:spPr>
+          <a:xfrm>
+            <a:off x="1538353" y="5313931"/>
+            <a:ext cx="1680204" cy="461665"/>
+          </a:xfrm>
+          <a:prstGeom prst="rect">
+            <a:avLst/>
+          </a:prstGeom>
+          <a:noFill/>
+        </p:spPr>
+        <p:txBody>
+          <a:bodyPr wrap="none" rtlCol="0">
+            <a:spAutoFit/>
+          </a:bodyPr>
+          <a:lstStyle/>
+          <a:p>
+            <a:r>
+              <a:rPr lang="en-US" sz="2400" dirty="0">
+                <a:solidFill>
+                  <a:schemeClr val="bg1"/>
+                </a:solidFill>
+              </a:rPr>
+              <a:t>Network-A1</a:t>
+            </a:r>
+          </a:p>
+        </p:txBody>
+      </p:sp>
+      <p:sp>
+        <p:nvSpPr>
+          <p:cNvPr id="47" name="Oval 46">
+            <a:extLst>
+              <a:ext uri="{FF2B5EF4-FFF2-40B4-BE49-F238E27FC236}">
+                <a16:creationId xmlns:a16="http://schemas.microsoft.com/office/drawing/2014/main" id="{1336878A-D89D-6945-A73D-72E3037C9DF6}"/>
               </a:ext>
             </a:extLst>
           </p:cNvPr>
@@ -8928,8 +9328,8 @@
         </p:nvSpPr>
         <p:spPr>
           <a:xfrm>
-            <a:off x="2984635" y="1816800"/>
-            <a:ext cx="790877" cy="1879301"/>
+            <a:off x="3516464" y="4760827"/>
+            <a:ext cx="1782787" cy="1532969"/>
           </a:xfrm>
           <a:prstGeom prst="ellipse">
             <a:avLst/>
@@ -8963,84 +9363,51 @@
           </a:p>
         </p:txBody>
       </p:sp>
-      <p:pic>
-        <p:nvPicPr>
-          <p:cNvPr id="17" name="Picture 16">
-            <a:extLst>
-              <a:ext uri="{FF2B5EF4-FFF2-40B4-BE49-F238E27FC236}">
-                <a16:creationId xmlns:a16="http://schemas.microsoft.com/office/drawing/2014/main" id="{81C85328-8BAE-9F44-8379-7D19B3DFC44F}"/>
-              </a:ext>
-            </a:extLst>
-          </p:cNvPr>
-          <p:cNvPicPr>
-            <a:picLocks noChangeAspect="1"/>
-          </p:cNvPicPr>
-          <p:nvPr/>
-        </p:nvPicPr>
-        <p:blipFill>
-          <a:blip r:embed="rId2">
-            <a:extLst>
-              <a:ext uri="{28A0092B-C50C-407E-A947-70E740481C1C}">
-                <a14:useLocalDpi xmlns:a14="http://schemas.microsoft.com/office/drawing/2010/main" val="0"/>
-              </a:ext>
-            </a:extLst>
-          </a:blip>
-          <a:stretch>
-            <a:fillRect/>
-          </a:stretch>
-        </p:blipFill>
-        <p:spPr>
-          <a:xfrm>
-            <a:off x="4056428" y="1083918"/>
-            <a:ext cx="1242823" cy="699436"/>
-          </a:xfrm>
-          <a:prstGeom prst="rect">
-            <a:avLst/>
-          </a:prstGeom>
-        </p:spPr>
-      </p:pic>
-      <p:pic>
-        <p:nvPicPr>
-          <p:cNvPr id="18" name="Picture 17">
-            <a:extLst>
-              <a:ext uri="{FF2B5EF4-FFF2-40B4-BE49-F238E27FC236}">
-                <a16:creationId xmlns:a16="http://schemas.microsoft.com/office/drawing/2014/main" id="{119AB775-8F05-3345-8DB0-6DF70774B89B}"/>
-              </a:ext>
-            </a:extLst>
-          </p:cNvPr>
-          <p:cNvPicPr>
-            <a:picLocks noChangeAspect="1"/>
-          </p:cNvPicPr>
-          <p:nvPr/>
-        </p:nvPicPr>
-        <p:blipFill>
-          <a:blip r:embed="rId2">
-            <a:extLst>
-              <a:ext uri="{28A0092B-C50C-407E-A947-70E740481C1C}">
-                <a14:useLocalDpi xmlns:a14="http://schemas.microsoft.com/office/drawing/2010/main" val="0"/>
-              </a:ext>
-            </a:extLst>
-          </a:blip>
-          <a:stretch>
-            <a:fillRect/>
-          </a:stretch>
-        </p:blipFill>
-        <p:spPr>
-          <a:xfrm>
-            <a:off x="6498197" y="1112301"/>
-            <a:ext cx="1192389" cy="671053"/>
-          </a:xfrm>
-          <a:prstGeom prst="rect">
-            <a:avLst/>
-          </a:prstGeom>
-        </p:spPr>
-      </p:pic>
-      <p:sp>
-        <p:nvSpPr>
-          <p:cNvPr id="19" name="Oval 18">
-            <a:extLst>
-              <a:ext uri="{FF2B5EF4-FFF2-40B4-BE49-F238E27FC236}">
-                <a16:creationId xmlns:a16="http://schemas.microsoft.com/office/drawing/2014/main" id="{C9F63263-CA25-4F42-9FFC-150748723E50}"/>
+      <p:sp>
+        <p:nvSpPr>
+          <p:cNvPr id="48" name="TextBox 47">
+            <a:extLst>
+              <a:ext uri="{FF2B5EF4-FFF2-40B4-BE49-F238E27FC236}">
+                <a16:creationId xmlns:a16="http://schemas.microsoft.com/office/drawing/2014/main" id="{4C0F0411-0889-C947-8E4B-F0D58C3A73BA}"/>
+              </a:ext>
+            </a:extLst>
+          </p:cNvPr>
+          <p:cNvSpPr txBox="1"/>
+          <p:nvPr/>
+        </p:nvSpPr>
+        <p:spPr>
+          <a:xfrm>
+            <a:off x="3581349" y="5313931"/>
+            <a:ext cx="1680204" cy="461665"/>
+          </a:xfrm>
+          <a:prstGeom prst="rect">
+            <a:avLst/>
+          </a:prstGeom>
+          <a:noFill/>
+        </p:spPr>
+        <p:txBody>
+          <a:bodyPr wrap="none" rtlCol="0">
+            <a:spAutoFit/>
+          </a:bodyPr>
+          <a:lstStyle/>
+          <a:p>
+            <a:r>
+              <a:rPr lang="en-US" sz="2400" dirty="0">
+                <a:solidFill>
+                  <a:schemeClr val="bg1"/>
+                </a:solidFill>
+              </a:rPr>
+              <a:t>Network-A2</a:t>
+            </a:r>
+          </a:p>
+        </p:txBody>
+      </p:sp>
+      <p:sp>
+        <p:nvSpPr>
+          <p:cNvPr id="49" name="Oval 48">
+            <a:extLst>
+              <a:ext uri="{FF2B5EF4-FFF2-40B4-BE49-F238E27FC236}">
+                <a16:creationId xmlns:a16="http://schemas.microsoft.com/office/drawing/2014/main" id="{06CE3073-C7F1-E941-8554-9C70B44FB528}"/>
               </a:ext>
             </a:extLst>
           </p:cNvPr>
@@ -9049,8 +9416,8 @@
         </p:nvSpPr>
         <p:spPr>
           <a:xfrm>
-            <a:off x="8267301" y="1816800"/>
-            <a:ext cx="790877" cy="1879301"/>
+            <a:off x="6813884" y="4796906"/>
+            <a:ext cx="1782787" cy="1532969"/>
           </a:xfrm>
           <a:prstGeom prst="ellipse">
             <a:avLst/>
@@ -9089,10 +9456,10 @@
       </p:sp>
       <p:sp>
         <p:nvSpPr>
-          <p:cNvPr id="21" name="TextBox 20">
-            <a:extLst>
-              <a:ext uri="{FF2B5EF4-FFF2-40B4-BE49-F238E27FC236}">
-                <a16:creationId xmlns:a16="http://schemas.microsoft.com/office/drawing/2014/main" id="{7A51D9E0-2CC1-1D4C-A527-BE68F8166CB6}"/>
+          <p:cNvPr id="50" name="TextBox 49">
+            <a:extLst>
+              <a:ext uri="{FF2B5EF4-FFF2-40B4-BE49-F238E27FC236}">
+                <a16:creationId xmlns:a16="http://schemas.microsoft.com/office/drawing/2014/main" id="{D989DD10-B930-E14C-ABB6-7E46B023E737}"/>
               </a:ext>
             </a:extLst>
           </p:cNvPr>
@@ -9101,8 +9468,8 @@
         </p:nvSpPr>
         <p:spPr>
           <a:xfrm>
-            <a:off x="1538353" y="5313931"/>
-            <a:ext cx="1680204" cy="461665"/>
+            <a:off x="6878769" y="5350010"/>
+            <a:ext cx="1668983" cy="461665"/>
           </a:xfrm>
           <a:prstGeom prst="rect">
             <a:avLst/>
@@ -9121,17 +9488,17 @@
                   <a:schemeClr val="bg1"/>
                 </a:solidFill>
               </a:rPr>
-              <a:t>Network-A1</a:t>
-            </a:r>
-          </a:p>
-        </p:txBody>
-      </p:sp>
-      <p:sp>
-        <p:nvSpPr>
-          <p:cNvPr id="22" name="Oval 21">
-            <a:extLst>
-              <a:ext uri="{FF2B5EF4-FFF2-40B4-BE49-F238E27FC236}">
-                <a16:creationId xmlns:a16="http://schemas.microsoft.com/office/drawing/2014/main" id="{21533EF9-D72F-E84D-9187-A2239153C123}"/>
+              <a:t>Network-B1</a:t>
+            </a:r>
+          </a:p>
+        </p:txBody>
+      </p:sp>
+      <p:sp>
+        <p:nvSpPr>
+          <p:cNvPr id="51" name="Oval 50">
+            <a:extLst>
+              <a:ext uri="{FF2B5EF4-FFF2-40B4-BE49-F238E27FC236}">
+                <a16:creationId xmlns:a16="http://schemas.microsoft.com/office/drawing/2014/main" id="{E30B30A3-922D-264B-A9DB-AFE1D6CC001F}"/>
               </a:ext>
             </a:extLst>
           </p:cNvPr>
@@ -9140,12 +9507,15 @@
         </p:nvSpPr>
         <p:spPr>
           <a:xfrm>
-            <a:off x="3516464" y="4760827"/>
+            <a:off x="8856880" y="4796906"/>
             <a:ext cx="1782787" cy="1532969"/>
           </a:xfrm>
           <a:prstGeom prst="ellipse">
             <a:avLst/>
           </a:prstGeom>
+          <a:solidFill>
+            <a:schemeClr val="accent2"/>
+          </a:solidFill>
           <a:ln>
             <a:noFill/>
           </a:ln>
@@ -9177,10 +9547,10 @@
       </p:sp>
       <p:sp>
         <p:nvSpPr>
-          <p:cNvPr id="23" name="TextBox 22">
-            <a:extLst>
-              <a:ext uri="{FF2B5EF4-FFF2-40B4-BE49-F238E27FC236}">
-                <a16:creationId xmlns:a16="http://schemas.microsoft.com/office/drawing/2014/main" id="{D2FB8827-006E-4A49-80D8-A58631859BEA}"/>
+          <p:cNvPr id="52" name="TextBox 51">
+            <a:extLst>
+              <a:ext uri="{FF2B5EF4-FFF2-40B4-BE49-F238E27FC236}">
+                <a16:creationId xmlns:a16="http://schemas.microsoft.com/office/drawing/2014/main" id="{15555F41-69A1-4340-A8CD-01EDE9DDA44B}"/>
               </a:ext>
             </a:extLst>
           </p:cNvPr>
@@ -9189,8 +9559,8 @@
         </p:nvSpPr>
         <p:spPr>
           <a:xfrm>
-            <a:off x="3581349" y="5313931"/>
-            <a:ext cx="1680204" cy="461665"/>
+            <a:off x="8921765" y="5350010"/>
+            <a:ext cx="1668983" cy="461665"/>
           </a:xfrm>
           <a:prstGeom prst="rect">
             <a:avLst/>
@@ -9209,56 +9579,89 @@
                   <a:schemeClr val="bg1"/>
                 </a:solidFill>
               </a:rPr>
-              <a:t>Network-A2</a:t>
-            </a:r>
-          </a:p>
-        </p:txBody>
-      </p:sp>
-      <p:sp>
-        <p:nvSpPr>
-          <p:cNvPr id="24" name="TextBox 23">
-            <a:extLst>
-              <a:ext uri="{FF2B5EF4-FFF2-40B4-BE49-F238E27FC236}">
-                <a16:creationId xmlns:a16="http://schemas.microsoft.com/office/drawing/2014/main" id="{4548C602-DCCA-FF4A-ABE1-0FEB7D362694}"/>
-              </a:ext>
-            </a:extLst>
-          </p:cNvPr>
-          <p:cNvSpPr txBox="1"/>
-          <p:nvPr/>
-        </p:nvSpPr>
-        <p:spPr>
-          <a:xfrm rot="16200000">
-            <a:off x="2539971" y="2461501"/>
-            <a:ext cx="1680204" cy="461665"/>
-          </a:xfrm>
-          <a:prstGeom prst="rect">
-            <a:avLst/>
-          </a:prstGeom>
-          <a:noFill/>
-        </p:spPr>
-        <p:txBody>
-          <a:bodyPr wrap="none" rtlCol="0">
-            <a:spAutoFit/>
-          </a:bodyPr>
-          <a:lstStyle/>
-          <a:p>
-            <a:r>
-              <a:rPr lang="en-US" sz="2400" dirty="0">
-                <a:solidFill>
-                  <a:schemeClr val="bg1"/>
-                </a:solidFill>
-              </a:rPr>
-              <a:t>Network-A0</a:t>
-            </a:r>
-          </a:p>
-        </p:txBody>
-      </p:sp>
-      <p:sp>
-        <p:nvSpPr>
-          <p:cNvPr id="26" name="Oval 25">
-            <a:extLst>
-              <a:ext uri="{FF2B5EF4-FFF2-40B4-BE49-F238E27FC236}">
-                <a16:creationId xmlns:a16="http://schemas.microsoft.com/office/drawing/2014/main" id="{F3DF5033-68DE-A94E-B4EB-5FCEDBF5082A}"/>
+              <a:t>Network-B2</a:t>
+            </a:r>
+          </a:p>
+        </p:txBody>
+      </p:sp>
+      <p:pic>
+        <p:nvPicPr>
+          <p:cNvPr id="53" name="Picture 52">
+            <a:extLst>
+              <a:ext uri="{FF2B5EF4-FFF2-40B4-BE49-F238E27FC236}">
+                <a16:creationId xmlns:a16="http://schemas.microsoft.com/office/drawing/2014/main" id="{7EF30AEC-2468-6B46-8A5C-EE8B0EE0A8D1}"/>
+              </a:ext>
+            </a:extLst>
+          </p:cNvPr>
+          <p:cNvPicPr>
+            <a:picLocks noChangeAspect="1"/>
+          </p:cNvPicPr>
+          <p:nvPr/>
+        </p:nvPicPr>
+        <p:blipFill>
+          <a:blip r:embed="rId3">
+            <a:extLst>
+              <a:ext uri="{28A0092B-C50C-407E-A947-70E740481C1C}">
+                <a14:useLocalDpi xmlns:a14="http://schemas.microsoft.com/office/drawing/2010/main" val="0"/>
+              </a:ext>
+            </a:extLst>
+          </a:blip>
+          <a:stretch>
+            <a:fillRect/>
+          </a:stretch>
+        </p:blipFill>
+        <p:spPr>
+          <a:xfrm>
+            <a:off x="2190131" y="2962326"/>
+            <a:ext cx="2470858" cy="2470858"/>
+          </a:xfrm>
+          <a:prstGeom prst="rect">
+            <a:avLst/>
+          </a:prstGeom>
+        </p:spPr>
+      </p:pic>
+      <p:pic>
+        <p:nvPicPr>
+          <p:cNvPr id="54" name="Picture 53">
+            <a:extLst>
+              <a:ext uri="{FF2B5EF4-FFF2-40B4-BE49-F238E27FC236}">
+                <a16:creationId xmlns:a16="http://schemas.microsoft.com/office/drawing/2014/main" id="{3C0A7B67-7DEB-644D-ACF2-C289BC497549}"/>
+              </a:ext>
+            </a:extLst>
+          </p:cNvPr>
+          <p:cNvPicPr>
+            <a:picLocks noChangeAspect="1"/>
+          </p:cNvPicPr>
+          <p:nvPr/>
+        </p:nvPicPr>
+        <p:blipFill>
+          <a:blip r:embed="rId3">
+            <a:extLst>
+              <a:ext uri="{28A0092B-C50C-407E-A947-70E740481C1C}">
+                <a14:useLocalDpi xmlns:a14="http://schemas.microsoft.com/office/drawing/2010/main" val="0"/>
+              </a:ext>
+            </a:extLst>
+          </a:blip>
+          <a:stretch>
+            <a:fillRect/>
+          </a:stretch>
+        </p:blipFill>
+        <p:spPr>
+          <a:xfrm>
+            <a:off x="7426127" y="2962326"/>
+            <a:ext cx="2470858" cy="2470858"/>
+          </a:xfrm>
+          <a:prstGeom prst="rect">
+            <a:avLst/>
+          </a:prstGeom>
+        </p:spPr>
+      </p:pic>
+      <p:sp>
+        <p:nvSpPr>
+          <p:cNvPr id="55" name="Oval 54">
+            <a:extLst>
+              <a:ext uri="{FF2B5EF4-FFF2-40B4-BE49-F238E27FC236}">
+                <a16:creationId xmlns:a16="http://schemas.microsoft.com/office/drawing/2014/main" id="{3D00129D-3D51-D946-AC27-CEFB37041A2E}"/>
               </a:ext>
             </a:extLst>
           </p:cNvPr>
@@ -9267,15 +9670,12 @@
         </p:nvSpPr>
         <p:spPr>
           <a:xfrm>
-            <a:off x="6813884" y="4796906"/>
-            <a:ext cx="1782787" cy="1532969"/>
+            <a:off x="2984635" y="1816800"/>
+            <a:ext cx="790877" cy="1879301"/>
           </a:xfrm>
           <a:prstGeom prst="ellipse">
             <a:avLst/>
           </a:prstGeom>
-          <a:solidFill>
-            <a:schemeClr val="accent2"/>
-          </a:solidFill>
           <a:ln>
             <a:noFill/>
           </a:ln>
@@ -9307,10 +9707,10 @@
       </p:sp>
       <p:sp>
         <p:nvSpPr>
-          <p:cNvPr id="27" name="TextBox 26">
-            <a:extLst>
-              <a:ext uri="{FF2B5EF4-FFF2-40B4-BE49-F238E27FC236}">
-                <a16:creationId xmlns:a16="http://schemas.microsoft.com/office/drawing/2014/main" id="{E751F2BF-C30D-2E46-B82A-9BAEB8B22482}"/>
+          <p:cNvPr id="56" name="TextBox 55">
+            <a:extLst>
+              <a:ext uri="{FF2B5EF4-FFF2-40B4-BE49-F238E27FC236}">
+                <a16:creationId xmlns:a16="http://schemas.microsoft.com/office/drawing/2014/main" id="{5B77B6FB-106B-9842-9F2A-8893985BDC3D}"/>
               </a:ext>
             </a:extLst>
           </p:cNvPr>
@@ -9318,9 +9718,9 @@
           <p:nvPr/>
         </p:nvSpPr>
         <p:spPr>
-          <a:xfrm>
-            <a:off x="6878769" y="5350010"/>
-            <a:ext cx="1668983" cy="461665"/>
+          <a:xfrm rot="16200000">
+            <a:off x="2539971" y="2461501"/>
+            <a:ext cx="1680204" cy="461665"/>
           </a:xfrm>
           <a:prstGeom prst="rect">
             <a:avLst/>
@@ -9339,17 +9739,17 @@
                   <a:schemeClr val="bg1"/>
                 </a:solidFill>
               </a:rPr>
-              <a:t>Network-B1</a:t>
-            </a:r>
-          </a:p>
-        </p:txBody>
-      </p:sp>
-      <p:sp>
-        <p:nvSpPr>
-          <p:cNvPr id="28" name="Oval 27">
-            <a:extLst>
-              <a:ext uri="{FF2B5EF4-FFF2-40B4-BE49-F238E27FC236}">
-                <a16:creationId xmlns:a16="http://schemas.microsoft.com/office/drawing/2014/main" id="{89B75148-BB9E-A84A-BC51-C4D4C17A5C98}"/>
+              <a:t>Network-A0</a:t>
+            </a:r>
+          </a:p>
+        </p:txBody>
+      </p:sp>
+      <p:sp>
+        <p:nvSpPr>
+          <p:cNvPr id="57" name="Oval 56">
+            <a:extLst>
+              <a:ext uri="{FF2B5EF4-FFF2-40B4-BE49-F238E27FC236}">
+                <a16:creationId xmlns:a16="http://schemas.microsoft.com/office/drawing/2014/main" id="{7C358733-1744-3849-AC2D-92E35AE60C0F}"/>
               </a:ext>
             </a:extLst>
           </p:cNvPr>
@@ -9358,8 +9758,8 @@
         </p:nvSpPr>
         <p:spPr>
           <a:xfrm>
-            <a:off x="8856880" y="4796906"/>
-            <a:ext cx="1782787" cy="1532969"/>
+            <a:off x="8267301" y="1816800"/>
+            <a:ext cx="790877" cy="1879301"/>
           </a:xfrm>
           <a:prstGeom prst="ellipse">
             <a:avLst/>
@@ -9398,49 +9798,10 @@
       </p:sp>
       <p:sp>
         <p:nvSpPr>
-          <p:cNvPr id="29" name="TextBox 28">
-            <a:extLst>
-              <a:ext uri="{FF2B5EF4-FFF2-40B4-BE49-F238E27FC236}">
-                <a16:creationId xmlns:a16="http://schemas.microsoft.com/office/drawing/2014/main" id="{0CE0E888-C6B3-1D49-8314-C4631FDB6B10}"/>
-              </a:ext>
-            </a:extLst>
-          </p:cNvPr>
-          <p:cNvSpPr txBox="1"/>
-          <p:nvPr/>
-        </p:nvSpPr>
-        <p:spPr>
-          <a:xfrm>
-            <a:off x="8921765" y="5350010"/>
-            <a:ext cx="1668983" cy="461665"/>
-          </a:xfrm>
-          <a:prstGeom prst="rect">
-            <a:avLst/>
-          </a:prstGeom>
-          <a:noFill/>
-        </p:spPr>
-        <p:txBody>
-          <a:bodyPr wrap="none" rtlCol="0">
-            <a:spAutoFit/>
-          </a:bodyPr>
-          <a:lstStyle/>
-          <a:p>
-            <a:r>
-              <a:rPr lang="en-US" sz="2400" dirty="0">
-                <a:solidFill>
-                  <a:schemeClr val="bg1"/>
-                </a:solidFill>
-              </a:rPr>
-              <a:t>Network-B2</a:t>
-            </a:r>
-          </a:p>
-        </p:txBody>
-      </p:sp>
-      <p:sp>
-        <p:nvSpPr>
-          <p:cNvPr id="30" name="TextBox 29">
-            <a:extLst>
-              <a:ext uri="{FF2B5EF4-FFF2-40B4-BE49-F238E27FC236}">
-                <a16:creationId xmlns:a16="http://schemas.microsoft.com/office/drawing/2014/main" id="{EDBD8DD6-D1B9-5145-AF50-C9B98881EB59}"/>
+          <p:cNvPr id="58" name="TextBox 57">
+            <a:extLst>
+              <a:ext uri="{FF2B5EF4-FFF2-40B4-BE49-F238E27FC236}">
+                <a16:creationId xmlns:a16="http://schemas.microsoft.com/office/drawing/2014/main" id="{119DF0C3-BEDF-7546-9334-78B8B04FDC0F}"/>
               </a:ext>
             </a:extLst>
           </p:cNvPr>
@@ -9474,113 +9835,6 @@
           </a:p>
         </p:txBody>
       </p:sp>
-      <p:sp>
-        <p:nvSpPr>
-          <p:cNvPr id="31" name="TextBox 30">
-            <a:extLst>
-              <a:ext uri="{FF2B5EF4-FFF2-40B4-BE49-F238E27FC236}">
-                <a16:creationId xmlns:a16="http://schemas.microsoft.com/office/drawing/2014/main" id="{1926C2CC-3100-4440-B1CD-1C74EB937444}"/>
-              </a:ext>
-            </a:extLst>
-          </p:cNvPr>
-          <p:cNvSpPr txBox="1"/>
-          <p:nvPr/>
-        </p:nvSpPr>
-        <p:spPr>
-          <a:xfrm>
-            <a:off x="5130309" y="1746972"/>
-            <a:ext cx="1536831" cy="584775"/>
-          </a:xfrm>
-          <a:prstGeom prst="rect">
-            <a:avLst/>
-          </a:prstGeom>
-          <a:noFill/>
-        </p:spPr>
-        <p:txBody>
-          <a:bodyPr wrap="none" rtlCol="0">
-            <a:spAutoFit/>
-          </a:bodyPr>
-          <a:lstStyle/>
-          <a:p>
-            <a:r>
-              <a:rPr lang="en-US" sz="3200" dirty="0"/>
-              <a:t>Internet</a:t>
-            </a:r>
-          </a:p>
-        </p:txBody>
-      </p:sp>
-      <p:pic>
-        <p:nvPicPr>
-          <p:cNvPr id="3" name="Picture 2">
-            <a:extLst>
-              <a:ext uri="{FF2B5EF4-FFF2-40B4-BE49-F238E27FC236}">
-                <a16:creationId xmlns:a16="http://schemas.microsoft.com/office/drawing/2014/main" id="{EA14E68F-DEA0-B24F-A3CE-506F5C18E9FD}"/>
-              </a:ext>
-            </a:extLst>
-          </p:cNvPr>
-          <p:cNvPicPr>
-            <a:picLocks noChangeAspect="1"/>
-          </p:cNvPicPr>
-          <p:nvPr/>
-        </p:nvPicPr>
-        <p:blipFill>
-          <a:blip r:embed="rId3">
-            <a:extLst>
-              <a:ext uri="{28A0092B-C50C-407E-A947-70E740481C1C}">
-                <a14:useLocalDpi xmlns:a14="http://schemas.microsoft.com/office/drawing/2010/main" val="0"/>
-              </a:ext>
-            </a:extLst>
-          </a:blip>
-          <a:stretch>
-            <a:fillRect/>
-          </a:stretch>
-        </p:blipFill>
-        <p:spPr>
-          <a:xfrm>
-            <a:off x="2190131" y="2962326"/>
-            <a:ext cx="2470858" cy="2470858"/>
-          </a:xfrm>
-          <a:prstGeom prst="rect">
-            <a:avLst/>
-          </a:prstGeom>
-        </p:spPr>
-      </p:pic>
-      <p:pic>
-        <p:nvPicPr>
-          <p:cNvPr id="32" name="Picture 31">
-            <a:extLst>
-              <a:ext uri="{FF2B5EF4-FFF2-40B4-BE49-F238E27FC236}">
-                <a16:creationId xmlns:a16="http://schemas.microsoft.com/office/drawing/2014/main" id="{C6682B20-5EB6-834F-9E4D-078F0206E425}"/>
-              </a:ext>
-            </a:extLst>
-          </p:cNvPr>
-          <p:cNvPicPr>
-            <a:picLocks noChangeAspect="1"/>
-          </p:cNvPicPr>
-          <p:nvPr/>
-        </p:nvPicPr>
-        <p:blipFill>
-          <a:blip r:embed="rId3">
-            <a:extLst>
-              <a:ext uri="{28A0092B-C50C-407E-A947-70E740481C1C}">
-                <a14:useLocalDpi xmlns:a14="http://schemas.microsoft.com/office/drawing/2010/main" val="0"/>
-              </a:ext>
-            </a:extLst>
-          </a:blip>
-          <a:stretch>
-            <a:fillRect/>
-          </a:stretch>
-        </p:blipFill>
-        <p:spPr>
-          <a:xfrm>
-            <a:off x="7426127" y="2962326"/>
-            <a:ext cx="2470858" cy="2470858"/>
-          </a:xfrm>
-          <a:prstGeom prst="rect">
-            <a:avLst/>
-          </a:prstGeom>
-        </p:spPr>
-      </p:pic>
     </p:spTree>
     <p:extLst>
       <p:ext uri="{BB962C8B-B14F-4D97-AF65-F5344CB8AC3E}">
@@ -9865,7 +10119,7 @@
         </p:nvSpPr>
         <p:spPr>
           <a:xfrm>
-            <a:off x="8885310" y="3305996"/>
+            <a:off x="9122570" y="3305996"/>
             <a:ext cx="1197892" cy="461665"/>
           </a:xfrm>
           <a:prstGeom prst="rect">
@@ -10054,7 +10308,7 @@
         </p:nvSpPr>
         <p:spPr>
           <a:xfrm>
-            <a:off x="10004434" y="246957"/>
+            <a:off x="8089006" y="1122856"/>
             <a:ext cx="1340432" cy="461665"/>
           </a:xfrm>
           <a:prstGeom prst="rect">
@@ -10260,7 +10514,7 @@
         </p:nvSpPr>
         <p:spPr>
           <a:xfrm>
-            <a:off x="2598693" y="3003080"/>
+            <a:off x="3233960" y="3224462"/>
             <a:ext cx="3018665" cy="2945331"/>
           </a:xfrm>
           <a:prstGeom prst="rect">
@@ -10315,7 +10569,7 @@
         </p:nvCxnSpPr>
         <p:spPr>
           <a:xfrm flipV="1">
-            <a:off x="2887157" y="4648002"/>
+            <a:off x="3522424" y="4869384"/>
             <a:ext cx="285100" cy="978220"/>
           </a:xfrm>
           <a:prstGeom prst="line">
@@ -10356,7 +10610,7 @@
         </p:nvCxnSpPr>
         <p:spPr>
           <a:xfrm flipV="1">
-            <a:off x="3314806" y="4580585"/>
+            <a:off x="3950073" y="4801967"/>
             <a:ext cx="285100" cy="978220"/>
           </a:xfrm>
           <a:prstGeom prst="line">
@@ -10399,7 +10653,7 @@
         </p:nvCxnSpPr>
         <p:spPr>
           <a:xfrm flipV="1">
-            <a:off x="3813731" y="4648002"/>
+            <a:off x="4448998" y="4869384"/>
             <a:ext cx="717995" cy="910803"/>
           </a:xfrm>
           <a:prstGeom prst="line">
@@ -10442,7 +10696,7 @@
         </p:nvCxnSpPr>
         <p:spPr>
           <a:xfrm flipH="1" flipV="1">
-            <a:off x="3742455" y="4681712"/>
+            <a:off x="4377722" y="4903094"/>
             <a:ext cx="591953" cy="944510"/>
           </a:xfrm>
           <a:prstGeom prst="line">
@@ -10485,7 +10739,7 @@
         </p:nvCxnSpPr>
         <p:spPr>
           <a:xfrm flipH="1" flipV="1">
-            <a:off x="5176043" y="4664857"/>
+            <a:off x="5811310" y="4886239"/>
             <a:ext cx="101061" cy="893948"/>
           </a:xfrm>
           <a:prstGeom prst="line">
@@ -10528,7 +10782,7 @@
         </p:nvCxnSpPr>
         <p:spPr>
           <a:xfrm flipH="1" flipV="1">
-            <a:off x="4759846" y="4681712"/>
+            <a:off x="5395113" y="4903094"/>
             <a:ext cx="101061" cy="893948"/>
           </a:xfrm>
           <a:prstGeom prst="line">
@@ -10569,7 +10823,7 @@
         </p:nvSpPr>
         <p:spPr>
           <a:xfrm>
-            <a:off x="3172257" y="5428906"/>
+            <a:off x="3807524" y="5650288"/>
             <a:ext cx="394635" cy="394635"/>
           </a:xfrm>
           <a:prstGeom prst="rect">
@@ -10605,7 +10859,7 @@
           <a:lstStyle/>
           <a:p>
             <a:pPr algn="ctr"/>
-            <a:endParaRPr lang="en-US"/>
+            <a:endParaRPr lang="en-US" b="1"/>
           </a:p>
         </p:txBody>
       </p:sp>
@@ -10623,7 +10877,7 @@
         </p:nvSpPr>
         <p:spPr>
           <a:xfrm>
-            <a:off x="3654674" y="5428907"/>
+            <a:off x="4289941" y="5650289"/>
             <a:ext cx="394635" cy="394635"/>
           </a:xfrm>
           <a:prstGeom prst="rect">
@@ -10659,7 +10913,7 @@
           <a:lstStyle/>
           <a:p>
             <a:pPr algn="ctr"/>
-            <a:endParaRPr lang="en-US"/>
+            <a:endParaRPr lang="en-US" b="1"/>
           </a:p>
         </p:txBody>
       </p:sp>
@@ -10677,7 +10931,7 @@
         </p:nvSpPr>
         <p:spPr>
           <a:xfrm>
-            <a:off x="4137091" y="5428906"/>
+            <a:off x="4772358" y="5650288"/>
             <a:ext cx="394635" cy="394635"/>
           </a:xfrm>
           <a:prstGeom prst="rect">
@@ -10713,7 +10967,7 @@
           <a:lstStyle/>
           <a:p>
             <a:pPr algn="ctr"/>
-            <a:endParaRPr lang="en-US"/>
+            <a:endParaRPr lang="en-US" b="1"/>
           </a:p>
         </p:txBody>
       </p:sp>
@@ -10731,7 +10985,7 @@
         </p:nvSpPr>
         <p:spPr>
           <a:xfrm>
-            <a:off x="2689840" y="5431163"/>
+            <a:off x="3325107" y="5652545"/>
             <a:ext cx="394635" cy="394635"/>
           </a:xfrm>
           <a:prstGeom prst="rect">
@@ -10767,7 +11021,7 @@
           <a:lstStyle/>
           <a:p>
             <a:pPr algn="ctr"/>
-            <a:endParaRPr lang="en-US"/>
+            <a:endParaRPr lang="en-US" b="1"/>
           </a:p>
         </p:txBody>
       </p:sp>
@@ -10785,7 +11039,7 @@
         </p:nvSpPr>
         <p:spPr>
           <a:xfrm>
-            <a:off x="4619508" y="5428906"/>
+            <a:off x="5254775" y="5650288"/>
             <a:ext cx="394635" cy="394635"/>
           </a:xfrm>
           <a:prstGeom prst="rect">
@@ -10821,7 +11075,7 @@
           <a:lstStyle/>
           <a:p>
             <a:pPr algn="ctr"/>
-            <a:endParaRPr lang="en-US"/>
+            <a:endParaRPr lang="en-US" b="1"/>
           </a:p>
         </p:txBody>
       </p:sp>
@@ -10839,7 +11093,7 @@
         </p:nvSpPr>
         <p:spPr>
           <a:xfrm>
-            <a:off x="5101925" y="5428905"/>
+            <a:off x="5737192" y="5650287"/>
             <a:ext cx="394635" cy="394635"/>
           </a:xfrm>
           <a:prstGeom prst="rect">
@@ -10875,7 +11129,7 @@
           <a:lstStyle/>
           <a:p>
             <a:pPr algn="ctr"/>
-            <a:endParaRPr lang="en-US" dirty="0"/>
+            <a:endParaRPr lang="en-US" b="1" dirty="0"/>
           </a:p>
         </p:txBody>
       </p:sp>
@@ -10895,7 +11149,7 @@
         </p:nvCxnSpPr>
         <p:spPr>
           <a:xfrm flipV="1">
-            <a:off x="3370009" y="3795847"/>
+            <a:off x="4005276" y="4017229"/>
             <a:ext cx="16073" cy="879212"/>
           </a:xfrm>
           <a:prstGeom prst="line">
@@ -10938,7 +11192,7 @@
         </p:nvCxnSpPr>
         <p:spPr>
           <a:xfrm flipV="1">
-            <a:off x="4840368" y="3812681"/>
+            <a:off x="5475635" y="4034063"/>
             <a:ext cx="16073" cy="879212"/>
           </a:xfrm>
           <a:prstGeom prst="line">
@@ -10979,7 +11233,7 @@
         </p:nvSpPr>
         <p:spPr>
           <a:xfrm>
-            <a:off x="2887157" y="4450685"/>
+            <a:off x="3522424" y="4672067"/>
             <a:ext cx="981777" cy="394635"/>
           </a:xfrm>
           <a:prstGeom prst="rect">
@@ -11016,7 +11270,7 @@
           <a:p>
             <a:pPr algn="ctr"/>
             <a:r>
-              <a:rPr lang="en-US" dirty="0"/>
+              <a:rPr lang="en-US" sz="1600" b="1" dirty="0"/>
               <a:t>VLAN 10</a:t>
             </a:r>
           </a:p>
@@ -11036,7 +11290,7 @@
         </p:nvSpPr>
         <p:spPr>
           <a:xfrm>
-            <a:off x="4344903" y="4450685"/>
+            <a:off x="4980170" y="4672067"/>
             <a:ext cx="981777" cy="394635"/>
           </a:xfrm>
           <a:prstGeom prst="rect">
@@ -11073,7 +11327,7 @@
           <a:p>
             <a:pPr algn="ctr"/>
             <a:r>
-              <a:rPr lang="en-US" dirty="0"/>
+              <a:rPr lang="en-US" sz="1600" b="1" dirty="0"/>
               <a:t>VLAN 20</a:t>
             </a:r>
           </a:p>
@@ -11093,7 +11347,7 @@
         </p:nvSpPr>
         <p:spPr>
           <a:xfrm>
-            <a:off x="5100165" y="5444583"/>
+            <a:off x="5735432" y="5665965"/>
             <a:ext cx="399468" cy="369332"/>
           </a:xfrm>
           <a:prstGeom prst="rect">
@@ -11108,7 +11362,7 @@
           <a:lstStyle/>
           <a:p>
             <a:r>
-              <a:rPr lang="en-US" dirty="0">
+              <a:rPr lang="en-US" b="1" dirty="0">
                 <a:solidFill>
                   <a:schemeClr val="bg1"/>
                 </a:solidFill>
@@ -11132,7 +11386,7 @@
         </p:nvSpPr>
         <p:spPr>
           <a:xfrm>
-            <a:off x="4627738" y="5441556"/>
+            <a:off x="5263005" y="5662938"/>
             <a:ext cx="399468" cy="369332"/>
           </a:xfrm>
           <a:prstGeom prst="rect">
@@ -11147,7 +11401,7 @@
           <a:lstStyle/>
           <a:p>
             <a:r>
-              <a:rPr lang="en-US" dirty="0">
+              <a:rPr lang="en-US" b="1" dirty="0">
                 <a:solidFill>
                   <a:schemeClr val="bg1"/>
                 </a:solidFill>
@@ -11171,7 +11425,7 @@
         </p:nvSpPr>
         <p:spPr>
           <a:xfrm>
-            <a:off x="4133790" y="5444583"/>
+            <a:off x="4769057" y="5665965"/>
             <a:ext cx="399468" cy="369332"/>
           </a:xfrm>
           <a:prstGeom prst="rect">
@@ -11186,7 +11440,7 @@
           <a:lstStyle/>
           <a:p>
             <a:r>
-              <a:rPr lang="en-US" dirty="0">
+              <a:rPr lang="en-US" b="1" dirty="0">
                 <a:solidFill>
                   <a:schemeClr val="bg1"/>
                 </a:solidFill>
@@ -11210,7 +11464,7 @@
         </p:nvSpPr>
         <p:spPr>
           <a:xfrm>
-            <a:off x="3650815" y="5438240"/>
+            <a:off x="4286082" y="5659622"/>
             <a:ext cx="399468" cy="369332"/>
           </a:xfrm>
           <a:prstGeom prst="rect">
@@ -11225,7 +11479,7 @@
           <a:lstStyle/>
           <a:p>
             <a:r>
-              <a:rPr lang="en-US" dirty="0">
+              <a:rPr lang="en-US" b="1" dirty="0">
                 <a:solidFill>
                   <a:schemeClr val="bg1"/>
                 </a:solidFill>
@@ -11249,7 +11503,7 @@
         </p:nvSpPr>
         <p:spPr>
           <a:xfrm>
-            <a:off x="3176491" y="5434924"/>
+            <a:off x="3811758" y="5656306"/>
             <a:ext cx="399468" cy="369332"/>
           </a:xfrm>
           <a:prstGeom prst="rect">
@@ -11264,7 +11518,7 @@
           <a:lstStyle/>
           <a:p>
             <a:r>
-              <a:rPr lang="en-US" dirty="0">
+              <a:rPr lang="en-US" b="1" dirty="0">
                 <a:solidFill>
                   <a:schemeClr val="bg1"/>
                 </a:solidFill>
@@ -11288,7 +11542,7 @@
         </p:nvSpPr>
         <p:spPr>
           <a:xfrm>
-            <a:off x="2693975" y="5441556"/>
+            <a:off x="3329242" y="5662938"/>
             <a:ext cx="399468" cy="369332"/>
           </a:xfrm>
           <a:prstGeom prst="rect">
@@ -11303,7 +11557,7 @@
           <a:lstStyle/>
           <a:p>
             <a:r>
-              <a:rPr lang="en-US" dirty="0">
+              <a:rPr lang="en-US" b="1" dirty="0">
                 <a:solidFill>
                   <a:schemeClr val="bg1"/>
                 </a:solidFill>
@@ -11327,7 +11581,7 @@
         </p:nvSpPr>
         <p:spPr>
           <a:xfrm>
-            <a:off x="5851300" y="5296424"/>
+            <a:off x="6486567" y="5517806"/>
             <a:ext cx="2031325" cy="646331"/>
           </a:xfrm>
           <a:prstGeom prst="rect">
@@ -11342,17 +11596,17 @@
           <a:lstStyle/>
           <a:p>
             <a:r>
-              <a:rPr lang="ja-JP" altLang="en-US"/>
+              <a:rPr lang="ja-JP" altLang="en-US" b="1"/>
               <a:t>物理</a:t>
             </a:r>
-            <a:endParaRPr lang="en-US" altLang="ja-JP" dirty="0"/>
-          </a:p>
-          <a:p>
-            <a:r>
-              <a:rPr lang="ja-JP" altLang="en-US"/>
+            <a:endParaRPr lang="en-US" altLang="ja-JP" b="1" dirty="0"/>
+          </a:p>
+          <a:p>
+            <a:r>
+              <a:rPr lang="ja-JP" altLang="en-US" b="1"/>
               <a:t>インターフェース</a:t>
             </a:r>
-            <a:endParaRPr lang="en-US" dirty="0"/>
+            <a:endParaRPr lang="en-US" b="1" dirty="0"/>
           </a:p>
         </p:txBody>
       </p:sp>
@@ -11370,8 +11624,8 @@
         </p:nvSpPr>
         <p:spPr>
           <a:xfrm>
-            <a:off x="5837500" y="3471438"/>
-            <a:ext cx="2031325" cy="646331"/>
+            <a:off x="6472767" y="3692820"/>
+            <a:ext cx="1944763" cy="646331"/>
           </a:xfrm>
           <a:prstGeom prst="rect">
             <a:avLst/>
@@ -11385,16 +11639,33 @@
           <a:lstStyle/>
           <a:p>
             <a:r>
-              <a:rPr lang="en-US" dirty="0"/>
+              <a:rPr lang="en-US" b="1" dirty="0"/>
               <a:t>VLAN</a:t>
             </a:r>
-          </a:p>
-          <a:p>
-            <a:r>
-              <a:rPr lang="ja-JP" altLang="en-US"/>
-              <a:t>インターフェース</a:t>
-            </a:r>
-            <a:endParaRPr lang="en-US" dirty="0"/>
+            <a:r>
+              <a:rPr lang="ja-JP" altLang="en-US" b="1"/>
+              <a:t>インター</a:t>
+            </a:r>
+            <a:endParaRPr lang="en-US" altLang="ja-JP" b="1" dirty="0"/>
+          </a:p>
+          <a:p>
+            <a:r>
+              <a:rPr lang="ja-JP" altLang="en-US" b="1"/>
+              <a:t>フェース</a:t>
+            </a:r>
+            <a:r>
+              <a:rPr lang="en-US" altLang="ja-JP" b="1" dirty="0"/>
+              <a:t>(</a:t>
+            </a:r>
+            <a:r>
+              <a:rPr lang="ja-JP" altLang="en-US" b="1"/>
+              <a:t>仮想的</a:t>
+            </a:r>
+            <a:r>
+              <a:rPr lang="en-US" altLang="ja-JP" b="1" dirty="0"/>
+              <a:t>)</a:t>
+            </a:r>
+            <a:endParaRPr lang="en-US" b="1" dirty="0"/>
           </a:p>
         </p:txBody>
       </p:sp>
@@ -11412,7 +11683,7 @@
         </p:nvSpPr>
         <p:spPr>
           <a:xfrm>
-            <a:off x="2895193" y="3138523"/>
+            <a:off x="3530460" y="3359905"/>
             <a:ext cx="2431487" cy="579807"/>
           </a:xfrm>
           <a:prstGeom prst="rect">
@@ -11466,7 +11737,7 @@
         </p:nvSpPr>
         <p:spPr>
           <a:xfrm>
-            <a:off x="4613058" y="3598530"/>
+            <a:off x="5248325" y="3819912"/>
             <a:ext cx="394635" cy="394635"/>
           </a:xfrm>
           <a:prstGeom prst="rect">
@@ -11502,7 +11773,7 @@
           <a:lstStyle/>
           <a:p>
             <a:pPr algn="ctr"/>
-            <a:endParaRPr lang="en-US"/>
+            <a:endParaRPr lang="en-US" b="1"/>
           </a:p>
         </p:txBody>
       </p:sp>
@@ -11520,7 +11791,7 @@
         </p:nvSpPr>
         <p:spPr>
           <a:xfrm>
-            <a:off x="3189199" y="3598530"/>
+            <a:off x="3824466" y="3819912"/>
             <a:ext cx="394635" cy="394635"/>
           </a:xfrm>
           <a:prstGeom prst="rect">
@@ -11556,7 +11827,7 @@
           <a:lstStyle/>
           <a:p>
             <a:pPr algn="ctr"/>
-            <a:endParaRPr lang="en-US"/>
+            <a:endParaRPr lang="en-US" b="1"/>
           </a:p>
         </p:txBody>
       </p:sp>
@@ -11574,7 +11845,7 @@
         </p:nvSpPr>
         <p:spPr>
           <a:xfrm>
-            <a:off x="4617458" y="3611380"/>
+            <a:off x="5252725" y="3832762"/>
             <a:ext cx="399468" cy="369332"/>
           </a:xfrm>
           <a:prstGeom prst="rect">
@@ -11589,7 +11860,7 @@
           <a:lstStyle/>
           <a:p>
             <a:r>
-              <a:rPr lang="en-US" dirty="0">
+              <a:rPr lang="en-US" b="1" dirty="0">
                 <a:solidFill>
                   <a:schemeClr val="bg1"/>
                 </a:solidFill>
@@ -11613,7 +11884,7 @@
         </p:nvSpPr>
         <p:spPr>
           <a:xfrm>
-            <a:off x="3192260" y="3609938"/>
+            <a:off x="3827527" y="3831320"/>
             <a:ext cx="399468" cy="369332"/>
           </a:xfrm>
           <a:prstGeom prst="rect">
@@ -11628,7 +11899,7 @@
           <a:lstStyle/>
           <a:p>
             <a:r>
-              <a:rPr lang="en-US" dirty="0">
+              <a:rPr lang="en-US" b="1" dirty="0">
                 <a:solidFill>
                   <a:schemeClr val="bg1"/>
                 </a:solidFill>
@@ -11652,7 +11923,7 @@
         </p:nvSpPr>
         <p:spPr>
           <a:xfrm>
-            <a:off x="3334906" y="3169145"/>
+            <a:off x="3970172" y="3437927"/>
             <a:ext cx="1569660" cy="369332"/>
           </a:xfrm>
           <a:prstGeom prst="rect">
@@ -11667,14 +11938,14 @@
           <a:lstStyle/>
           <a:p>
             <a:r>
-              <a:rPr lang="ja-JP" altLang="en-US">
+              <a:rPr lang="ja-JP" altLang="en-US" b="1">
                 <a:solidFill>
                   <a:schemeClr val="bg1"/>
                 </a:solidFill>
               </a:rPr>
               <a:t>内部ルーター</a:t>
             </a:r>
-            <a:endParaRPr lang="en-US" dirty="0">
+            <a:endParaRPr lang="en-US" b="1" dirty="0">
               <a:solidFill>
                 <a:schemeClr val="bg1"/>
               </a:solidFill>
@@ -11696,7 +11967,7 @@
         </p:nvSpPr>
         <p:spPr>
           <a:xfrm>
-            <a:off x="8093408" y="3003080"/>
+            <a:off x="8728675" y="3224462"/>
             <a:ext cx="3018665" cy="2945331"/>
           </a:xfrm>
           <a:prstGeom prst="rect">
@@ -11751,7 +12022,7 @@
         </p:nvCxnSpPr>
         <p:spPr>
           <a:xfrm flipV="1">
-            <a:off x="8381872" y="4648002"/>
+            <a:off x="9017139" y="4869384"/>
             <a:ext cx="285100" cy="978220"/>
           </a:xfrm>
           <a:prstGeom prst="line">
@@ -11792,7 +12063,7 @@
         </p:nvCxnSpPr>
         <p:spPr>
           <a:xfrm flipV="1">
-            <a:off x="8809521" y="4580585"/>
+            <a:off x="9444788" y="4801967"/>
             <a:ext cx="285100" cy="978220"/>
           </a:xfrm>
           <a:prstGeom prst="line">
@@ -11835,7 +12106,7 @@
         </p:nvCxnSpPr>
         <p:spPr>
           <a:xfrm flipV="1">
-            <a:off x="9308446" y="4648002"/>
+            <a:off x="9943713" y="4869384"/>
             <a:ext cx="717995" cy="910803"/>
           </a:xfrm>
           <a:prstGeom prst="line">
@@ -11878,7 +12149,7 @@
         </p:nvCxnSpPr>
         <p:spPr>
           <a:xfrm flipH="1" flipV="1">
-            <a:off x="9237170" y="4681712"/>
+            <a:off x="9872437" y="4903094"/>
             <a:ext cx="591953" cy="944510"/>
           </a:xfrm>
           <a:prstGeom prst="line">
@@ -11921,7 +12192,7 @@
         </p:nvCxnSpPr>
         <p:spPr>
           <a:xfrm flipH="1" flipV="1">
-            <a:off x="10670758" y="4664857"/>
+            <a:off x="11306025" y="4886239"/>
             <a:ext cx="101061" cy="893948"/>
           </a:xfrm>
           <a:prstGeom prst="line">
@@ -11964,7 +12235,7 @@
         </p:nvCxnSpPr>
         <p:spPr>
           <a:xfrm flipH="1" flipV="1">
-            <a:off x="10254561" y="4681712"/>
+            <a:off x="10889828" y="4903094"/>
             <a:ext cx="101061" cy="893948"/>
           </a:xfrm>
           <a:prstGeom prst="line">
@@ -12005,7 +12276,7 @@
         </p:nvSpPr>
         <p:spPr>
           <a:xfrm>
-            <a:off x="8666972" y="5428906"/>
+            <a:off x="9302239" y="5650288"/>
             <a:ext cx="394635" cy="394635"/>
           </a:xfrm>
           <a:prstGeom prst="rect">
@@ -12041,7 +12312,7 @@
           <a:lstStyle/>
           <a:p>
             <a:pPr algn="ctr"/>
-            <a:endParaRPr lang="en-US"/>
+            <a:endParaRPr lang="en-US" b="1"/>
           </a:p>
         </p:txBody>
       </p:sp>
@@ -12059,7 +12330,7 @@
         </p:nvSpPr>
         <p:spPr>
           <a:xfrm>
-            <a:off x="9149389" y="5428907"/>
+            <a:off x="9784656" y="5650289"/>
             <a:ext cx="394635" cy="394635"/>
           </a:xfrm>
           <a:prstGeom prst="rect">
@@ -12095,7 +12366,7 @@
           <a:lstStyle/>
           <a:p>
             <a:pPr algn="ctr"/>
-            <a:endParaRPr lang="en-US"/>
+            <a:endParaRPr lang="en-US" b="1"/>
           </a:p>
         </p:txBody>
       </p:sp>
@@ -12113,7 +12384,7 @@
         </p:nvSpPr>
         <p:spPr>
           <a:xfrm>
-            <a:off x="9631806" y="5428906"/>
+            <a:off x="10267073" y="5650288"/>
             <a:ext cx="394635" cy="394635"/>
           </a:xfrm>
           <a:prstGeom prst="rect">
@@ -12149,7 +12420,7 @@
           <a:lstStyle/>
           <a:p>
             <a:pPr algn="ctr"/>
-            <a:endParaRPr lang="en-US"/>
+            <a:endParaRPr lang="en-US" b="1"/>
           </a:p>
         </p:txBody>
       </p:sp>
@@ -12167,7 +12438,7 @@
         </p:nvSpPr>
         <p:spPr>
           <a:xfrm>
-            <a:off x="8184555" y="5431163"/>
+            <a:off x="8819822" y="5652545"/>
             <a:ext cx="394635" cy="394635"/>
           </a:xfrm>
           <a:prstGeom prst="rect">
@@ -12203,7 +12474,7 @@
           <a:lstStyle/>
           <a:p>
             <a:pPr algn="ctr"/>
-            <a:endParaRPr lang="en-US"/>
+            <a:endParaRPr lang="en-US" b="1"/>
           </a:p>
         </p:txBody>
       </p:sp>
@@ -12221,7 +12492,7 @@
         </p:nvSpPr>
         <p:spPr>
           <a:xfrm>
-            <a:off x="10114223" y="5428906"/>
+            <a:off x="10749490" y="5650288"/>
             <a:ext cx="394635" cy="394635"/>
           </a:xfrm>
           <a:prstGeom prst="rect">
@@ -12257,7 +12528,7 @@
           <a:lstStyle/>
           <a:p>
             <a:pPr algn="ctr"/>
-            <a:endParaRPr lang="en-US"/>
+            <a:endParaRPr lang="en-US" b="1"/>
           </a:p>
         </p:txBody>
       </p:sp>
@@ -12275,7 +12546,7 @@
         </p:nvSpPr>
         <p:spPr>
           <a:xfrm>
-            <a:off x="10596640" y="5428905"/>
+            <a:off x="11231907" y="5650287"/>
             <a:ext cx="394635" cy="394635"/>
           </a:xfrm>
           <a:prstGeom prst="rect">
@@ -12311,7 +12582,7 @@
           <a:lstStyle/>
           <a:p>
             <a:pPr algn="ctr"/>
-            <a:endParaRPr lang="en-US" dirty="0"/>
+            <a:endParaRPr lang="en-US" b="1" dirty="0"/>
           </a:p>
         </p:txBody>
       </p:sp>
@@ -12331,7 +12602,7 @@
         </p:nvCxnSpPr>
         <p:spPr>
           <a:xfrm flipV="1">
-            <a:off x="8864724" y="3795847"/>
+            <a:off x="9499991" y="4017229"/>
             <a:ext cx="16073" cy="879212"/>
           </a:xfrm>
           <a:prstGeom prst="line">
@@ -12374,7 +12645,7 @@
         </p:nvCxnSpPr>
         <p:spPr>
           <a:xfrm flipV="1">
-            <a:off x="10335083" y="3812681"/>
+            <a:off x="10970350" y="4034063"/>
             <a:ext cx="16073" cy="879212"/>
           </a:xfrm>
           <a:prstGeom prst="line">
@@ -12415,7 +12686,7 @@
         </p:nvSpPr>
         <p:spPr>
           <a:xfrm>
-            <a:off x="8381872" y="4450685"/>
+            <a:off x="9017139" y="4672067"/>
             <a:ext cx="981777" cy="394635"/>
           </a:xfrm>
           <a:prstGeom prst="rect">
@@ -12452,7 +12723,7 @@
           <a:p>
             <a:pPr algn="ctr"/>
             <a:r>
-              <a:rPr lang="en-US" dirty="0"/>
+              <a:rPr lang="en-US" sz="1600" b="1" dirty="0"/>
               <a:t>VLAN 10</a:t>
             </a:r>
           </a:p>
@@ -12472,7 +12743,7 @@
         </p:nvSpPr>
         <p:spPr>
           <a:xfrm>
-            <a:off x="9839618" y="4450685"/>
+            <a:off x="10474885" y="4672067"/>
             <a:ext cx="981777" cy="394635"/>
           </a:xfrm>
           <a:prstGeom prst="rect">
@@ -12509,7 +12780,7 @@
           <a:p>
             <a:pPr algn="ctr"/>
             <a:r>
-              <a:rPr lang="en-US" dirty="0"/>
+              <a:rPr lang="en-US" sz="1600" b="1" dirty="0"/>
               <a:t>VLAN 20</a:t>
             </a:r>
           </a:p>
@@ -12529,7 +12800,7 @@
         </p:nvSpPr>
         <p:spPr>
           <a:xfrm>
-            <a:off x="10594880" y="5444583"/>
+            <a:off x="11230147" y="5665965"/>
             <a:ext cx="399468" cy="369332"/>
           </a:xfrm>
           <a:prstGeom prst="rect">
@@ -12544,7 +12815,7 @@
           <a:lstStyle/>
           <a:p>
             <a:r>
-              <a:rPr lang="en-US" dirty="0">
+              <a:rPr lang="en-US" b="1" dirty="0">
                 <a:solidFill>
                   <a:schemeClr val="bg1"/>
                 </a:solidFill>
@@ -12568,7 +12839,7 @@
         </p:nvSpPr>
         <p:spPr>
           <a:xfrm>
-            <a:off x="10122453" y="5441556"/>
+            <a:off x="10757720" y="5662938"/>
             <a:ext cx="399468" cy="369332"/>
           </a:xfrm>
           <a:prstGeom prst="rect">
@@ -12583,7 +12854,7 @@
           <a:lstStyle/>
           <a:p>
             <a:r>
-              <a:rPr lang="en-US" dirty="0">
+              <a:rPr lang="en-US" b="1" dirty="0">
                 <a:solidFill>
                   <a:schemeClr val="bg1"/>
                 </a:solidFill>
@@ -12607,7 +12878,7 @@
         </p:nvSpPr>
         <p:spPr>
           <a:xfrm>
-            <a:off x="9628505" y="5444583"/>
+            <a:off x="10263772" y="5665965"/>
             <a:ext cx="399468" cy="369332"/>
           </a:xfrm>
           <a:prstGeom prst="rect">
@@ -12622,7 +12893,7 @@
           <a:lstStyle/>
           <a:p>
             <a:r>
-              <a:rPr lang="en-US" dirty="0">
+              <a:rPr lang="en-US" b="1" dirty="0">
                 <a:solidFill>
                   <a:schemeClr val="bg1"/>
                 </a:solidFill>
@@ -12646,7 +12917,7 @@
         </p:nvSpPr>
         <p:spPr>
           <a:xfrm>
-            <a:off x="9145530" y="5438240"/>
+            <a:off x="9780797" y="5659622"/>
             <a:ext cx="399468" cy="369332"/>
           </a:xfrm>
           <a:prstGeom prst="rect">
@@ -12661,7 +12932,7 @@
           <a:lstStyle/>
           <a:p>
             <a:r>
-              <a:rPr lang="en-US" dirty="0">
+              <a:rPr lang="en-US" b="1" dirty="0">
                 <a:solidFill>
                   <a:schemeClr val="bg1"/>
                 </a:solidFill>
@@ -12685,7 +12956,7 @@
         </p:nvSpPr>
         <p:spPr>
           <a:xfrm>
-            <a:off x="8671206" y="5434924"/>
+            <a:off x="9306473" y="5656306"/>
             <a:ext cx="399468" cy="369332"/>
           </a:xfrm>
           <a:prstGeom prst="rect">
@@ -12700,7 +12971,7 @@
           <a:lstStyle/>
           <a:p>
             <a:r>
-              <a:rPr lang="en-US" dirty="0">
+              <a:rPr lang="en-US" b="1" dirty="0">
                 <a:solidFill>
                   <a:schemeClr val="bg1"/>
                 </a:solidFill>
@@ -12724,7 +12995,7 @@
         </p:nvSpPr>
         <p:spPr>
           <a:xfrm>
-            <a:off x="8188690" y="5441556"/>
+            <a:off x="8823957" y="5662938"/>
             <a:ext cx="399468" cy="369332"/>
           </a:xfrm>
           <a:prstGeom prst="rect">
@@ -12739,7 +13010,7 @@
           <a:lstStyle/>
           <a:p>
             <a:r>
-              <a:rPr lang="en-US" dirty="0">
+              <a:rPr lang="en-US" b="1" dirty="0">
                 <a:solidFill>
                   <a:schemeClr val="bg1"/>
                 </a:solidFill>
@@ -12751,10 +13022,284 @@
       </p:sp>
       <p:sp>
         <p:nvSpPr>
-          <p:cNvPr id="83" name="Rectangle 82">
-            <a:extLst>
-              <a:ext uri="{FF2B5EF4-FFF2-40B4-BE49-F238E27FC236}">
-                <a16:creationId xmlns:a16="http://schemas.microsoft.com/office/drawing/2014/main" id="{DA7BAA50-E797-7347-8EF1-0D2AA0AE371F}"/>
+          <p:cNvPr id="88" name="TextBox 87">
+            <a:extLst>
+              <a:ext uri="{FF2B5EF4-FFF2-40B4-BE49-F238E27FC236}">
+                <a16:creationId xmlns:a16="http://schemas.microsoft.com/office/drawing/2014/main" id="{66D9302D-AFDC-3540-AE16-160BA57CB0C9}"/>
+              </a:ext>
+            </a:extLst>
+          </p:cNvPr>
+          <p:cNvSpPr txBox="1"/>
+          <p:nvPr/>
+        </p:nvSpPr>
+        <p:spPr>
+          <a:xfrm>
+            <a:off x="532187" y="1962620"/>
+            <a:ext cx="2492991" cy="707886"/>
+          </a:xfrm>
+          <a:prstGeom prst="rect">
+            <a:avLst/>
+          </a:prstGeom>
+          <a:noFill/>
+        </p:spPr>
+        <p:txBody>
+          <a:bodyPr wrap="none" rtlCol="0">
+            <a:spAutoFit/>
+          </a:bodyPr>
+          <a:lstStyle/>
+          <a:p>
+            <a:pPr algn="ctr"/>
+            <a:r>
+              <a:rPr lang="ja-JP" altLang="en-US" sz="2000" b="1"/>
+              <a:t>機器の見た目は同じ</a:t>
+            </a:r>
+            <a:endParaRPr lang="en-US" altLang="ja-JP" sz="2000" b="1" dirty="0"/>
+          </a:p>
+          <a:p>
+            <a:pPr algn="ctr"/>
+            <a:r>
+              <a:rPr lang="en-US" altLang="ja-JP" sz="2000" b="1" dirty="0"/>
+              <a:t>(</a:t>
+            </a:r>
+            <a:r>
+              <a:rPr lang="ja-JP" altLang="en-US" sz="2000" b="1"/>
+              <a:t>型番のみ違う</a:t>
+            </a:r>
+            <a:r>
+              <a:rPr lang="en-US" altLang="ja-JP" sz="2000" b="1" dirty="0"/>
+              <a:t>)</a:t>
+            </a:r>
+          </a:p>
+        </p:txBody>
+      </p:sp>
+      <p:sp>
+        <p:nvSpPr>
+          <p:cNvPr id="89" name="TextBox 88">
+            <a:extLst>
+              <a:ext uri="{FF2B5EF4-FFF2-40B4-BE49-F238E27FC236}">
+                <a16:creationId xmlns:a16="http://schemas.microsoft.com/office/drawing/2014/main" id="{1C3959FE-103B-9048-BEBF-7E9853701758}"/>
+              </a:ext>
+            </a:extLst>
+          </p:cNvPr>
+          <p:cNvSpPr txBox="1"/>
+          <p:nvPr/>
+        </p:nvSpPr>
+        <p:spPr>
+          <a:xfrm>
+            <a:off x="502986" y="4486129"/>
+            <a:ext cx="2492990" cy="400110"/>
+          </a:xfrm>
+          <a:prstGeom prst="rect">
+            <a:avLst/>
+          </a:prstGeom>
+          <a:noFill/>
+        </p:spPr>
+        <p:txBody>
+          <a:bodyPr wrap="none" rtlCol="0">
+            <a:spAutoFit/>
+          </a:bodyPr>
+          <a:lstStyle/>
+          <a:p>
+            <a:r>
+              <a:rPr lang="ja-JP" altLang="en-US" sz="2000" b="1"/>
+              <a:t>スイッチの内部構造</a:t>
+            </a:r>
+            <a:endParaRPr lang="en-US" sz="2000" b="1" dirty="0"/>
+          </a:p>
+        </p:txBody>
+      </p:sp>
+      <p:sp>
+        <p:nvSpPr>
+          <p:cNvPr id="90" name="TextBox 89">
+            <a:extLst>
+              <a:ext uri="{FF2B5EF4-FFF2-40B4-BE49-F238E27FC236}">
+                <a16:creationId xmlns:a16="http://schemas.microsoft.com/office/drawing/2014/main" id="{18B18C7E-1884-D04B-AC35-825C9680B939}"/>
+              </a:ext>
+            </a:extLst>
+          </p:cNvPr>
+          <p:cNvSpPr txBox="1"/>
+          <p:nvPr/>
+        </p:nvSpPr>
+        <p:spPr>
+          <a:xfrm>
+            <a:off x="3153242" y="527921"/>
+            <a:ext cx="3147016" cy="830997"/>
+          </a:xfrm>
+          <a:prstGeom prst="rect">
+            <a:avLst/>
+          </a:prstGeom>
+          <a:noFill/>
+        </p:spPr>
+        <p:txBody>
+          <a:bodyPr wrap="none" rtlCol="0">
+            <a:spAutoFit/>
+          </a:bodyPr>
+          <a:lstStyle/>
+          <a:p>
+            <a:pPr algn="ctr"/>
+            <a:r>
+              <a:rPr lang="en-US" sz="2400" b="1" dirty="0"/>
+              <a:t>L3</a:t>
+            </a:r>
+            <a:r>
+              <a:rPr lang="ja-JP" altLang="en-US" sz="2400" b="1"/>
+              <a:t>スイッチ</a:t>
+            </a:r>
+            <a:endParaRPr lang="en-US" altLang="ja-JP" sz="2400" b="1" dirty="0"/>
+          </a:p>
+          <a:p>
+            <a:pPr algn="ctr"/>
+            <a:r>
+              <a:rPr lang="en-US" altLang="ja-JP" sz="2400" b="1" dirty="0"/>
+              <a:t>(</a:t>
+            </a:r>
+            <a:r>
+              <a:rPr lang="ja-JP" altLang="en-US" sz="2400" b="1"/>
+              <a:t>ルーティングできる</a:t>
+            </a:r>
+            <a:r>
+              <a:rPr lang="en-US" altLang="ja-JP" sz="2400" b="1" dirty="0"/>
+              <a:t>)</a:t>
+            </a:r>
+            <a:endParaRPr lang="en-US" sz="2400" b="1" dirty="0"/>
+          </a:p>
+        </p:txBody>
+      </p:sp>
+      <p:sp>
+        <p:nvSpPr>
+          <p:cNvPr id="91" name="TextBox 90">
+            <a:extLst>
+              <a:ext uri="{FF2B5EF4-FFF2-40B4-BE49-F238E27FC236}">
+                <a16:creationId xmlns:a16="http://schemas.microsoft.com/office/drawing/2014/main" id="{67C98650-97AC-1147-8D37-034D6ADC1394}"/>
+              </a:ext>
+            </a:extLst>
+          </p:cNvPr>
+          <p:cNvSpPr txBox="1"/>
+          <p:nvPr/>
+        </p:nvSpPr>
+        <p:spPr>
+          <a:xfrm>
+            <a:off x="8555617" y="601929"/>
+            <a:ext cx="3454792" cy="830997"/>
+          </a:xfrm>
+          <a:prstGeom prst="rect">
+            <a:avLst/>
+          </a:prstGeom>
+          <a:noFill/>
+        </p:spPr>
+        <p:txBody>
+          <a:bodyPr wrap="none" rtlCol="0">
+            <a:spAutoFit/>
+          </a:bodyPr>
+          <a:lstStyle/>
+          <a:p>
+            <a:pPr algn="ctr"/>
+            <a:r>
+              <a:rPr lang="en-US" sz="2400" b="1" dirty="0"/>
+              <a:t>L2</a:t>
+            </a:r>
+            <a:r>
+              <a:rPr lang="ja-JP" altLang="en-US" sz="2400" b="1"/>
+              <a:t>スイッチ</a:t>
+            </a:r>
+            <a:endParaRPr lang="en-US" altLang="ja-JP" sz="2400" b="1" dirty="0"/>
+          </a:p>
+          <a:p>
+            <a:pPr algn="ctr"/>
+            <a:r>
+              <a:rPr lang="en-US" altLang="ja-JP" sz="2400" b="1" dirty="0"/>
+              <a:t>(</a:t>
+            </a:r>
+            <a:r>
+              <a:rPr lang="ja-JP" altLang="en-US" sz="2400" b="1"/>
+              <a:t>ルーティングできない</a:t>
+            </a:r>
+            <a:r>
+              <a:rPr lang="en-US" altLang="ja-JP" sz="2400" b="1" dirty="0"/>
+              <a:t>)</a:t>
+            </a:r>
+            <a:endParaRPr lang="en-US" sz="2400" b="1" dirty="0"/>
+          </a:p>
+        </p:txBody>
+      </p:sp>
+      <p:pic>
+        <p:nvPicPr>
+          <p:cNvPr id="82" name="Picture 81">
+            <a:extLst>
+              <a:ext uri="{FF2B5EF4-FFF2-40B4-BE49-F238E27FC236}">
+                <a16:creationId xmlns:a16="http://schemas.microsoft.com/office/drawing/2014/main" id="{AA0292EC-BD79-BC48-9F48-7BA63AE1F26E}"/>
+              </a:ext>
+            </a:extLst>
+          </p:cNvPr>
+          <p:cNvPicPr>
+            <a:picLocks noChangeAspect="1"/>
+          </p:cNvPicPr>
+          <p:nvPr/>
+        </p:nvPicPr>
+        <p:blipFill>
+          <a:blip r:embed="rId2">
+            <a:extLst>
+              <a:ext uri="{28A0092B-C50C-407E-A947-70E740481C1C}">
+                <a14:useLocalDpi xmlns:a14="http://schemas.microsoft.com/office/drawing/2010/main" val="0"/>
+              </a:ext>
+            </a:extLst>
+          </a:blip>
+          <a:stretch>
+            <a:fillRect/>
+          </a:stretch>
+        </p:blipFill>
+        <p:spPr>
+          <a:xfrm>
+            <a:off x="3494814" y="962705"/>
+            <a:ext cx="2520377" cy="2520377"/>
+          </a:xfrm>
+          <a:prstGeom prst="rect">
+            <a:avLst/>
+          </a:prstGeom>
+        </p:spPr>
+      </p:pic>
+      <p:pic>
+        <p:nvPicPr>
+          <p:cNvPr id="87" name="Picture 86">
+            <a:extLst>
+              <a:ext uri="{FF2B5EF4-FFF2-40B4-BE49-F238E27FC236}">
+                <a16:creationId xmlns:a16="http://schemas.microsoft.com/office/drawing/2014/main" id="{BA34DD4E-429A-3F46-A925-8158B8CAA07B}"/>
+              </a:ext>
+            </a:extLst>
+          </p:cNvPr>
+          <p:cNvPicPr>
+            <a:picLocks noChangeAspect="1"/>
+          </p:cNvPicPr>
+          <p:nvPr/>
+        </p:nvPicPr>
+        <p:blipFill>
+          <a:blip r:embed="rId2">
+            <a:extLst>
+              <a:ext uri="{28A0092B-C50C-407E-A947-70E740481C1C}">
+                <a14:useLocalDpi xmlns:a14="http://schemas.microsoft.com/office/drawing/2010/main" val="0"/>
+              </a:ext>
+            </a:extLst>
+          </a:blip>
+          <a:stretch>
+            <a:fillRect/>
+          </a:stretch>
+        </p:blipFill>
+        <p:spPr>
+          <a:xfrm>
+            <a:off x="8977818" y="962704"/>
+            <a:ext cx="2520377" cy="2520377"/>
+          </a:xfrm>
+          <a:prstGeom prst="rect">
+            <a:avLst/>
+          </a:prstGeom>
+        </p:spPr>
+      </p:pic>
+      <p:sp>
+        <p:nvSpPr>
+          <p:cNvPr id="92" name="Rectangle 91">
+            <a:extLst>
+              <a:ext uri="{FF2B5EF4-FFF2-40B4-BE49-F238E27FC236}">
+                <a16:creationId xmlns:a16="http://schemas.microsoft.com/office/drawing/2014/main" id="{26F7E4E9-CCF9-1145-B36B-F26BDC64001E}"/>
               </a:ext>
             </a:extLst>
           </p:cNvPr>
@@ -12763,19 +13308,18 @@
         </p:nvSpPr>
         <p:spPr>
           <a:xfrm>
-            <a:off x="10107773" y="3598530"/>
-            <a:ext cx="394635" cy="394635"/>
-          </a:xfrm>
-          <a:prstGeom prst="rect">
-            <a:avLst/>
-          </a:prstGeom>
-          <a:solidFill>
-            <a:schemeClr val="accent1"/>
-          </a:solidFill>
+            <a:off x="9017139" y="3358811"/>
+            <a:ext cx="2431487" cy="579807"/>
+          </a:xfrm>
+          <a:prstGeom prst="rect">
+            <a:avLst/>
+          </a:prstGeom>
+          <a:noFill/>
           <a:ln w="19050">
             <a:solidFill>
               <a:schemeClr val="bg1"/>
             </a:solidFill>
+            <a:prstDash val="dash"/>
           </a:ln>
         </p:spPr>
         <p:style>
@@ -12799,16 +13343,16 @@
           <a:lstStyle/>
           <a:p>
             <a:pPr algn="ctr"/>
-            <a:endParaRPr lang="en-US"/>
-          </a:p>
-        </p:txBody>
-      </p:sp>
-      <p:sp>
-        <p:nvSpPr>
-          <p:cNvPr id="84" name="Rectangle 83">
-            <a:extLst>
-              <a:ext uri="{FF2B5EF4-FFF2-40B4-BE49-F238E27FC236}">
-                <a16:creationId xmlns:a16="http://schemas.microsoft.com/office/drawing/2014/main" id="{8EB4ACFA-1242-A04B-9158-9DA7FDEF7271}"/>
+            <a:endParaRPr lang="en-US" dirty="0"/>
+          </a:p>
+        </p:txBody>
+      </p:sp>
+      <p:sp>
+        <p:nvSpPr>
+          <p:cNvPr id="93" name="Rectangle 92">
+            <a:extLst>
+              <a:ext uri="{FF2B5EF4-FFF2-40B4-BE49-F238E27FC236}">
+                <a16:creationId xmlns:a16="http://schemas.microsoft.com/office/drawing/2014/main" id="{F1B5A687-3081-544C-9FEA-A51FA3A2110E}"/>
               </a:ext>
             </a:extLst>
           </p:cNvPr>
@@ -12817,7 +13361,7 @@
         </p:nvSpPr>
         <p:spPr>
           <a:xfrm>
-            <a:off x="8683914" y="3598530"/>
+            <a:off x="10743040" y="3819912"/>
             <a:ext cx="394635" cy="394635"/>
           </a:xfrm>
           <a:prstGeom prst="rect">
@@ -12853,16 +13397,70 @@
           <a:lstStyle/>
           <a:p>
             <a:pPr algn="ctr"/>
-            <a:endParaRPr lang="en-US"/>
-          </a:p>
-        </p:txBody>
-      </p:sp>
-      <p:sp>
-        <p:nvSpPr>
-          <p:cNvPr id="85" name="TextBox 84">
-            <a:extLst>
-              <a:ext uri="{FF2B5EF4-FFF2-40B4-BE49-F238E27FC236}">
-                <a16:creationId xmlns:a16="http://schemas.microsoft.com/office/drawing/2014/main" id="{FEB5462C-40D9-F74E-A0C6-949873F6E878}"/>
+            <a:endParaRPr lang="en-US" b="1"/>
+          </a:p>
+        </p:txBody>
+      </p:sp>
+      <p:sp>
+        <p:nvSpPr>
+          <p:cNvPr id="94" name="Rectangle 93">
+            <a:extLst>
+              <a:ext uri="{FF2B5EF4-FFF2-40B4-BE49-F238E27FC236}">
+                <a16:creationId xmlns:a16="http://schemas.microsoft.com/office/drawing/2014/main" id="{80505176-424C-9C4E-993A-47C43A66D49F}"/>
+              </a:ext>
+            </a:extLst>
+          </p:cNvPr>
+          <p:cNvSpPr/>
+          <p:nvPr/>
+        </p:nvSpPr>
+        <p:spPr>
+          <a:xfrm>
+            <a:off x="9319181" y="3819912"/>
+            <a:ext cx="394635" cy="394635"/>
+          </a:xfrm>
+          <a:prstGeom prst="rect">
+            <a:avLst/>
+          </a:prstGeom>
+          <a:solidFill>
+            <a:schemeClr val="accent1"/>
+          </a:solidFill>
+          <a:ln w="19050">
+            <a:solidFill>
+              <a:schemeClr val="bg1"/>
+            </a:solidFill>
+          </a:ln>
+        </p:spPr>
+        <p:style>
+          <a:lnRef idx="2">
+            <a:schemeClr val="accent1">
+              <a:shade val="50000"/>
+            </a:schemeClr>
+          </a:lnRef>
+          <a:fillRef idx="1">
+            <a:schemeClr val="accent1"/>
+          </a:fillRef>
+          <a:effectRef idx="0">
+            <a:schemeClr val="accent1"/>
+          </a:effectRef>
+          <a:fontRef idx="minor">
+            <a:schemeClr val="lt1"/>
+          </a:fontRef>
+        </p:style>
+        <p:txBody>
+          <a:bodyPr rtlCol="0" anchor="ctr"/>
+          <a:lstStyle/>
+          <a:p>
+            <a:pPr algn="ctr"/>
+            <a:endParaRPr lang="en-US" b="1"/>
+          </a:p>
+        </p:txBody>
+      </p:sp>
+      <p:sp>
+        <p:nvSpPr>
+          <p:cNvPr id="95" name="TextBox 94">
+            <a:extLst>
+              <a:ext uri="{FF2B5EF4-FFF2-40B4-BE49-F238E27FC236}">
+                <a16:creationId xmlns:a16="http://schemas.microsoft.com/office/drawing/2014/main" id="{051642FB-8AD4-3F4E-AD75-F8D03065A19A}"/>
               </a:ext>
             </a:extLst>
           </p:cNvPr>
@@ -12871,7 +13469,7 @@
         </p:nvSpPr>
         <p:spPr>
           <a:xfrm>
-            <a:off x="10112173" y="3611380"/>
+            <a:off x="10747440" y="3832762"/>
             <a:ext cx="399468" cy="369332"/>
           </a:xfrm>
           <a:prstGeom prst="rect">
@@ -12886,7 +13484,7 @@
           <a:lstStyle/>
           <a:p>
             <a:r>
-              <a:rPr lang="en-US" dirty="0">
+              <a:rPr lang="en-US" b="1" dirty="0">
                 <a:solidFill>
                   <a:schemeClr val="bg1"/>
                 </a:solidFill>
@@ -12898,10 +13496,10 @@
       </p:sp>
       <p:sp>
         <p:nvSpPr>
-          <p:cNvPr id="86" name="TextBox 85">
-            <a:extLst>
-              <a:ext uri="{FF2B5EF4-FFF2-40B4-BE49-F238E27FC236}">
-                <a16:creationId xmlns:a16="http://schemas.microsoft.com/office/drawing/2014/main" id="{85F9769B-9C6E-994F-80D7-AB707C56C3CB}"/>
+          <p:cNvPr id="96" name="TextBox 95">
+            <a:extLst>
+              <a:ext uri="{FF2B5EF4-FFF2-40B4-BE49-F238E27FC236}">
+                <a16:creationId xmlns:a16="http://schemas.microsoft.com/office/drawing/2014/main" id="{86592CAE-DCE3-9042-A2CE-BBAEDD9ED756}"/>
               </a:ext>
             </a:extLst>
           </p:cNvPr>
@@ -12910,7 +13508,7 @@
         </p:nvSpPr>
         <p:spPr>
           <a:xfrm>
-            <a:off x="8686975" y="3609938"/>
+            <a:off x="9322242" y="3831320"/>
             <a:ext cx="399468" cy="369332"/>
           </a:xfrm>
           <a:prstGeom prst="rect">
@@ -12925,7 +13523,7 @@
           <a:lstStyle/>
           <a:p>
             <a:r>
-              <a:rPr lang="en-US" dirty="0">
+              <a:rPr lang="en-US" b="1" dirty="0">
                 <a:solidFill>
                   <a:schemeClr val="bg1"/>
                 </a:solidFill>
@@ -12935,246 +13533,6 @@
           </a:p>
         </p:txBody>
       </p:sp>
-      <p:sp>
-        <p:nvSpPr>
-          <p:cNvPr id="88" name="TextBox 87">
-            <a:extLst>
-              <a:ext uri="{FF2B5EF4-FFF2-40B4-BE49-F238E27FC236}">
-                <a16:creationId xmlns:a16="http://schemas.microsoft.com/office/drawing/2014/main" id="{66D9302D-AFDC-3540-AE16-160BA57CB0C9}"/>
-              </a:ext>
-            </a:extLst>
-          </p:cNvPr>
-          <p:cNvSpPr txBox="1"/>
-          <p:nvPr/>
-        </p:nvSpPr>
-        <p:spPr>
-          <a:xfrm>
-            <a:off x="251247" y="1760489"/>
-            <a:ext cx="2262158" cy="646331"/>
-          </a:xfrm>
-          <a:prstGeom prst="rect">
-            <a:avLst/>
-          </a:prstGeom>
-          <a:noFill/>
-        </p:spPr>
-        <p:txBody>
-          <a:bodyPr wrap="none" rtlCol="0">
-            <a:spAutoFit/>
-          </a:bodyPr>
-          <a:lstStyle/>
-          <a:p>
-            <a:pPr algn="ctr"/>
-            <a:r>
-              <a:rPr lang="ja-JP" altLang="en-US"/>
-              <a:t>機器の見た目は同じ</a:t>
-            </a:r>
-            <a:endParaRPr lang="en-US" altLang="ja-JP" dirty="0"/>
-          </a:p>
-          <a:p>
-            <a:pPr algn="ctr"/>
-            <a:r>
-              <a:rPr lang="en-US" altLang="ja-JP" dirty="0"/>
-              <a:t>(</a:t>
-            </a:r>
-            <a:r>
-              <a:rPr lang="ja-JP" altLang="en-US"/>
-              <a:t>型番のみ違う</a:t>
-            </a:r>
-            <a:r>
-              <a:rPr lang="en-US" altLang="ja-JP" dirty="0"/>
-              <a:t>)</a:t>
-            </a:r>
-          </a:p>
-        </p:txBody>
-      </p:sp>
-      <p:sp>
-        <p:nvSpPr>
-          <p:cNvPr id="89" name="TextBox 88">
-            <a:extLst>
-              <a:ext uri="{FF2B5EF4-FFF2-40B4-BE49-F238E27FC236}">
-                <a16:creationId xmlns:a16="http://schemas.microsoft.com/office/drawing/2014/main" id="{1C3959FE-103B-9048-BEBF-7E9853701758}"/>
-              </a:ext>
-            </a:extLst>
-          </p:cNvPr>
-          <p:cNvSpPr txBox="1"/>
-          <p:nvPr/>
-        </p:nvSpPr>
-        <p:spPr>
-          <a:xfrm>
-            <a:off x="790710" y="4475745"/>
-            <a:ext cx="1107996" cy="369332"/>
-          </a:xfrm>
-          <a:prstGeom prst="rect">
-            <a:avLst/>
-          </a:prstGeom>
-          <a:noFill/>
-        </p:spPr>
-        <p:txBody>
-          <a:bodyPr wrap="none" rtlCol="0">
-            <a:spAutoFit/>
-          </a:bodyPr>
-          <a:lstStyle/>
-          <a:p>
-            <a:r>
-              <a:rPr lang="ja-JP" altLang="en-US"/>
-              <a:t>内部構造</a:t>
-            </a:r>
-            <a:endParaRPr lang="en-US" dirty="0"/>
-          </a:p>
-        </p:txBody>
-      </p:sp>
-      <p:sp>
-        <p:nvSpPr>
-          <p:cNvPr id="90" name="TextBox 89">
-            <a:extLst>
-              <a:ext uri="{FF2B5EF4-FFF2-40B4-BE49-F238E27FC236}">
-                <a16:creationId xmlns:a16="http://schemas.microsoft.com/office/drawing/2014/main" id="{18B18C7E-1884-D04B-AC35-825C9680B939}"/>
-              </a:ext>
-            </a:extLst>
-          </p:cNvPr>
-          <p:cNvSpPr txBox="1"/>
-          <p:nvPr/>
-        </p:nvSpPr>
-        <p:spPr>
-          <a:xfrm>
-            <a:off x="3419837" y="877402"/>
-            <a:ext cx="1322798" cy="369332"/>
-          </a:xfrm>
-          <a:prstGeom prst="rect">
-            <a:avLst/>
-          </a:prstGeom>
-          <a:noFill/>
-        </p:spPr>
-        <p:txBody>
-          <a:bodyPr wrap="none" rtlCol="0">
-            <a:spAutoFit/>
-          </a:bodyPr>
-          <a:lstStyle/>
-          <a:p>
-            <a:r>
-              <a:rPr lang="en-US" dirty="0"/>
-              <a:t>L3</a:t>
-            </a:r>
-            <a:r>
-              <a:rPr lang="ja-JP" altLang="en-US"/>
-              <a:t>スイッチ</a:t>
-            </a:r>
-            <a:endParaRPr lang="en-US" dirty="0"/>
-          </a:p>
-        </p:txBody>
-      </p:sp>
-      <p:sp>
-        <p:nvSpPr>
-          <p:cNvPr id="91" name="TextBox 90">
-            <a:extLst>
-              <a:ext uri="{FF2B5EF4-FFF2-40B4-BE49-F238E27FC236}">
-                <a16:creationId xmlns:a16="http://schemas.microsoft.com/office/drawing/2014/main" id="{67C98650-97AC-1147-8D37-034D6ADC1394}"/>
-              </a:ext>
-            </a:extLst>
-          </p:cNvPr>
-          <p:cNvSpPr txBox="1"/>
-          <p:nvPr/>
-        </p:nvSpPr>
-        <p:spPr>
-          <a:xfrm>
-            <a:off x="8864289" y="874447"/>
-            <a:ext cx="1322798" cy="369332"/>
-          </a:xfrm>
-          <a:prstGeom prst="rect">
-            <a:avLst/>
-          </a:prstGeom>
-          <a:noFill/>
-        </p:spPr>
-        <p:txBody>
-          <a:bodyPr wrap="none" rtlCol="0">
-            <a:spAutoFit/>
-          </a:bodyPr>
-          <a:lstStyle/>
-          <a:p>
-            <a:r>
-              <a:rPr lang="en-US" dirty="0"/>
-              <a:t>L2</a:t>
-            </a:r>
-            <a:r>
-              <a:rPr lang="ja-JP" altLang="en-US"/>
-              <a:t>スイッチ</a:t>
-            </a:r>
-            <a:endParaRPr lang="en-US" dirty="0"/>
-          </a:p>
-        </p:txBody>
-      </p:sp>
-      <p:pic>
-        <p:nvPicPr>
-          <p:cNvPr id="82" name="Picture 81">
-            <a:extLst>
-              <a:ext uri="{FF2B5EF4-FFF2-40B4-BE49-F238E27FC236}">
-                <a16:creationId xmlns:a16="http://schemas.microsoft.com/office/drawing/2014/main" id="{AA0292EC-BD79-BC48-9F48-7BA63AE1F26E}"/>
-              </a:ext>
-            </a:extLst>
-          </p:cNvPr>
-          <p:cNvPicPr>
-            <a:picLocks noChangeAspect="1"/>
-          </p:cNvPicPr>
-          <p:nvPr/>
-        </p:nvPicPr>
-        <p:blipFill>
-          <a:blip r:embed="rId2">
-            <a:extLst>
-              <a:ext uri="{28A0092B-C50C-407E-A947-70E740481C1C}">
-                <a14:useLocalDpi xmlns:a14="http://schemas.microsoft.com/office/drawing/2010/main" val="0"/>
-              </a:ext>
-            </a:extLst>
-          </a:blip>
-          <a:stretch>
-            <a:fillRect/>
-          </a:stretch>
-        </p:blipFill>
-        <p:spPr>
-          <a:xfrm>
-            <a:off x="2859547" y="741323"/>
-            <a:ext cx="2520377" cy="2520377"/>
-          </a:xfrm>
-          <a:prstGeom prst="rect">
-            <a:avLst/>
-          </a:prstGeom>
-        </p:spPr>
-      </p:pic>
-      <p:pic>
-        <p:nvPicPr>
-          <p:cNvPr id="87" name="Picture 86">
-            <a:extLst>
-              <a:ext uri="{FF2B5EF4-FFF2-40B4-BE49-F238E27FC236}">
-                <a16:creationId xmlns:a16="http://schemas.microsoft.com/office/drawing/2014/main" id="{BA34DD4E-429A-3F46-A925-8158B8CAA07B}"/>
-              </a:ext>
-            </a:extLst>
-          </p:cNvPr>
-          <p:cNvPicPr>
-            <a:picLocks noChangeAspect="1"/>
-          </p:cNvPicPr>
-          <p:nvPr/>
-        </p:nvPicPr>
-        <p:blipFill>
-          <a:blip r:embed="rId2">
-            <a:extLst>
-              <a:ext uri="{28A0092B-C50C-407E-A947-70E740481C1C}">
-                <a14:useLocalDpi xmlns:a14="http://schemas.microsoft.com/office/drawing/2010/main" val="0"/>
-              </a:ext>
-            </a:extLst>
-          </a:blip>
-          <a:stretch>
-            <a:fillRect/>
-          </a:stretch>
-        </p:blipFill>
-        <p:spPr>
-          <a:xfrm>
-            <a:off x="8342551" y="741322"/>
-            <a:ext cx="2520377" cy="2520377"/>
-          </a:xfrm>
-          <a:prstGeom prst="rect">
-            <a:avLst/>
-          </a:prstGeom>
-        </p:spPr>
-      </p:pic>
     </p:spTree>
     <p:extLst>
       <p:ext uri="{BB962C8B-B14F-4D97-AF65-F5344CB8AC3E}">
@@ -13233,8 +13591,8 @@
         </p:blipFill>
         <p:spPr>
           <a:xfrm>
-            <a:off x="4940196" y="120400"/>
-            <a:ext cx="2181526" cy="1822216"/>
+            <a:off x="5169910" y="498874"/>
+            <a:ext cx="1648630" cy="1377091"/>
           </a:xfrm>
           <a:prstGeom prst="rect">
             <a:avLst/>
@@ -13292,7 +13650,7 @@
           <a:lstStyle/>
           <a:p>
             <a:pPr algn="ctr"/>
-            <a:endParaRPr lang="en-US"/>
+            <a:endParaRPr lang="en-US" b="1"/>
           </a:p>
         </p:txBody>
       </p:sp>
@@ -13389,7 +13747,7 @@
           <a:lstStyle/>
           <a:p>
             <a:pPr algn="ctr"/>
-            <a:endParaRPr lang="en-US" dirty="0"/>
+            <a:endParaRPr lang="en-US" b="1" dirty="0"/>
           </a:p>
         </p:txBody>
       </p:sp>
@@ -13422,7 +13780,7 @@
           <a:lstStyle/>
           <a:p>
             <a:r>
-              <a:rPr lang="ja-JP" altLang="en-US">
+              <a:rPr lang="ja-JP" altLang="en-US" b="1">
                 <a:solidFill>
                   <a:schemeClr val="bg1"/>
                 </a:solidFill>
@@ -13430,7 +13788,7 @@
               <a:t>内部ルーター</a:t>
             </a:r>
             <a:r>
-              <a:rPr lang="en-US" altLang="ja-JP" dirty="0">
+              <a:rPr lang="en-US" altLang="ja-JP" b="1" dirty="0">
                 <a:solidFill>
                   <a:schemeClr val="bg1"/>
                 </a:solidFill>
@@ -13438,7 +13796,7 @@
               <a:t>(</a:t>
             </a:r>
             <a:r>
-              <a:rPr lang="ja-JP" altLang="en-US">
+              <a:rPr lang="ja-JP" altLang="en-US" b="1">
                 <a:solidFill>
                   <a:schemeClr val="bg1"/>
                 </a:solidFill>
@@ -13446,14 +13804,14 @@
               <a:t>単純</a:t>
             </a:r>
             <a:r>
-              <a:rPr lang="en-US" altLang="ja-JP" dirty="0">
+              <a:rPr lang="en-US" altLang="ja-JP" b="1" dirty="0">
                 <a:solidFill>
                   <a:schemeClr val="bg1"/>
                 </a:solidFill>
               </a:rPr>
               <a:t>)</a:t>
             </a:r>
-            <a:endParaRPr lang="en-US" dirty="0">
+            <a:endParaRPr lang="en-US" b="1" dirty="0">
               <a:solidFill>
                 <a:schemeClr val="bg1"/>
               </a:solidFill>
@@ -13511,7 +13869,7 @@
           <a:lstStyle/>
           <a:p>
             <a:pPr algn="ctr"/>
-            <a:endParaRPr lang="en-US"/>
+            <a:endParaRPr lang="en-US" b="1"/>
           </a:p>
         </p:txBody>
       </p:sp>
@@ -13544,7 +13902,7 @@
           <a:lstStyle/>
           <a:p>
             <a:r>
-              <a:rPr lang="en-US" dirty="0">
+              <a:rPr lang="en-US" b="1" dirty="0">
                 <a:solidFill>
                   <a:schemeClr val="bg1"/>
                 </a:solidFill>
@@ -13604,7 +13962,7 @@
           <a:lstStyle/>
           <a:p>
             <a:pPr algn="ctr"/>
-            <a:endParaRPr lang="en-US"/>
+            <a:endParaRPr lang="en-US" b="1"/>
           </a:p>
         </p:txBody>
       </p:sp>
@@ -13637,7 +13995,7 @@
           <a:lstStyle/>
           <a:p>
             <a:r>
-              <a:rPr lang="en-US" dirty="0">
+              <a:rPr lang="en-US" b="1" dirty="0">
                 <a:solidFill>
                   <a:schemeClr val="bg1"/>
                 </a:solidFill>
@@ -13869,7 +14227,7 @@
           <a:lstStyle/>
           <a:p>
             <a:pPr algn="ctr"/>
-            <a:endParaRPr lang="en-US"/>
+            <a:endParaRPr lang="en-US" b="1"/>
           </a:p>
         </p:txBody>
       </p:sp>
@@ -13902,7 +14260,7 @@
           <a:lstStyle/>
           <a:p>
             <a:r>
-              <a:rPr lang="en-US" dirty="0">
+              <a:rPr lang="en-US" b="1" dirty="0">
                 <a:solidFill>
                   <a:schemeClr val="bg1"/>
                 </a:solidFill>
@@ -13962,7 +14320,7 @@
           <a:lstStyle/>
           <a:p>
             <a:pPr algn="ctr"/>
-            <a:endParaRPr lang="en-US"/>
+            <a:endParaRPr lang="en-US" b="1"/>
           </a:p>
         </p:txBody>
       </p:sp>
@@ -13981,7 +14339,7 @@
         <p:spPr>
           <a:xfrm>
             <a:off x="7442568" y="2874655"/>
-            <a:ext cx="671979" cy="369332"/>
+            <a:ext cx="683200" cy="369332"/>
           </a:xfrm>
           <a:prstGeom prst="rect">
             <a:avLst/>
@@ -13995,7 +14353,7 @@
           <a:lstStyle/>
           <a:p>
             <a:r>
-              <a:rPr lang="en-US" dirty="0">
+              <a:rPr lang="en-US" b="1" dirty="0">
                 <a:solidFill>
                   <a:schemeClr val="bg1"/>
                 </a:solidFill>
@@ -14055,7 +14413,7 @@
           <a:lstStyle/>
           <a:p>
             <a:pPr algn="ctr"/>
-            <a:endParaRPr lang="en-US"/>
+            <a:endParaRPr lang="en-US" b="1"/>
           </a:p>
         </p:txBody>
       </p:sp>
@@ -14088,7 +14446,7 @@
           <a:lstStyle/>
           <a:p>
             <a:r>
-              <a:rPr lang="en-US" dirty="0">
+              <a:rPr lang="en-US" b="1" dirty="0">
                 <a:solidFill>
                   <a:schemeClr val="bg1"/>
                 </a:solidFill>
@@ -14148,7 +14506,7 @@
           <a:lstStyle/>
           <a:p>
             <a:pPr algn="ctr"/>
-            <a:endParaRPr lang="en-US"/>
+            <a:endParaRPr lang="en-US" b="1"/>
           </a:p>
         </p:txBody>
       </p:sp>
@@ -14181,7 +14539,7 @@
           <a:lstStyle/>
           <a:p>
             <a:r>
-              <a:rPr lang="en-US" dirty="0">
+              <a:rPr lang="en-US" b="1" dirty="0">
                 <a:solidFill>
                   <a:schemeClr val="bg1"/>
                 </a:solidFill>
@@ -14241,7 +14599,7 @@
           <a:lstStyle/>
           <a:p>
             <a:pPr algn="ctr"/>
-            <a:endParaRPr lang="en-US" dirty="0"/>
+            <a:endParaRPr lang="en-US" b="1" dirty="0"/>
           </a:p>
         </p:txBody>
       </p:sp>
@@ -14259,8 +14617,8 @@
         </p:nvSpPr>
         <p:spPr>
           <a:xfrm rot="16200000">
-            <a:off x="6092194" y="2655328"/>
-            <a:ext cx="898003" cy="646331"/>
+            <a:off x="6086584" y="2655328"/>
+            <a:ext cx="909224" cy="646331"/>
           </a:xfrm>
           <a:prstGeom prst="rect">
             <a:avLst/>
@@ -14275,7 +14633,7 @@
           <a:p>
             <a:pPr algn="ctr"/>
             <a:r>
-              <a:rPr lang="ja-JP" altLang="en-US">
+              <a:rPr lang="ja-JP" altLang="en-US" b="1">
                 <a:solidFill>
                   <a:schemeClr val="bg1"/>
                 </a:solidFill>
@@ -14283,7 +14641,7 @@
               <a:t>内部</a:t>
             </a:r>
             <a:r>
-              <a:rPr lang="en-US" altLang="ja-JP" dirty="0">
+              <a:rPr lang="en-US" altLang="ja-JP" b="1" dirty="0">
                 <a:solidFill>
                   <a:schemeClr val="bg1"/>
                 </a:solidFill>
@@ -14294,7 +14652,7 @@
           <a:p>
             <a:pPr algn="ctr"/>
             <a:r>
-              <a:rPr lang="en-US" altLang="ja-JP" dirty="0">
+              <a:rPr lang="en-US" altLang="ja-JP" b="1" dirty="0">
                 <a:solidFill>
                   <a:schemeClr val="bg1"/>
                 </a:solidFill>
@@ -14302,7 +14660,7 @@
               <a:t>(</a:t>
             </a:r>
             <a:r>
-              <a:rPr lang="ja-JP" altLang="en-US">
+              <a:rPr lang="ja-JP" altLang="en-US" b="1">
                 <a:solidFill>
                   <a:schemeClr val="bg1"/>
                 </a:solidFill>
@@ -14310,7 +14668,7 @@
               <a:t>単純</a:t>
             </a:r>
             <a:r>
-              <a:rPr lang="en-US" altLang="ja-JP" dirty="0">
+              <a:rPr lang="en-US" altLang="ja-JP" b="1" dirty="0">
                 <a:solidFill>
                   <a:schemeClr val="bg1"/>
                 </a:solidFill>
@@ -14413,7 +14771,7 @@
           <a:lstStyle/>
           <a:p>
             <a:pPr algn="ctr"/>
-            <a:endParaRPr lang="en-US"/>
+            <a:endParaRPr lang="en-US" b="1"/>
           </a:p>
         </p:txBody>
       </p:sp>
@@ -14446,7 +14804,7 @@
           <a:lstStyle/>
           <a:p>
             <a:r>
-              <a:rPr lang="en-US" dirty="0">
+              <a:rPr lang="en-US" b="1" dirty="0">
                 <a:solidFill>
                   <a:schemeClr val="bg1"/>
                 </a:solidFill>
@@ -14506,7 +14864,7 @@
           <a:lstStyle/>
           <a:p>
             <a:pPr algn="ctr"/>
-            <a:endParaRPr lang="en-US" dirty="0"/>
+            <a:endParaRPr lang="en-US" b="1" dirty="0"/>
           </a:p>
         </p:txBody>
       </p:sp>
@@ -14540,14 +14898,14 @@
           <a:p>
             <a:pPr algn="ctr"/>
             <a:r>
-              <a:rPr lang="ja-JP" altLang="en-US">
+              <a:rPr lang="ja-JP" altLang="en-US" b="1">
                 <a:solidFill>
                   <a:schemeClr val="bg1"/>
                 </a:solidFill>
               </a:rPr>
               <a:t>内部スイッチ</a:t>
             </a:r>
-            <a:endParaRPr lang="en-US" altLang="ja-JP" dirty="0">
+            <a:endParaRPr lang="en-US" altLang="ja-JP" b="1" dirty="0">
               <a:solidFill>
                 <a:schemeClr val="bg1"/>
               </a:solidFill>
@@ -14556,7 +14914,7 @@
           <a:p>
             <a:pPr algn="ctr"/>
             <a:r>
-              <a:rPr lang="en-US" dirty="0">
+              <a:rPr lang="en-US" b="1" dirty="0">
                 <a:solidFill>
                   <a:schemeClr val="bg1"/>
                 </a:solidFill>
@@ -14564,7 +14922,7 @@
               <a:t>(VLAN</a:t>
             </a:r>
             <a:r>
-              <a:rPr lang="ja-JP" altLang="en-US">
+              <a:rPr lang="ja-JP" altLang="en-US" b="1">
                 <a:solidFill>
                   <a:schemeClr val="bg1"/>
                 </a:solidFill>
@@ -14572,7 +14930,7 @@
               <a:t>なし</a:t>
             </a:r>
             <a:r>
-              <a:rPr lang="en-US" dirty="0">
+              <a:rPr lang="en-US" b="1" dirty="0">
                 <a:solidFill>
                   <a:schemeClr val="bg1"/>
                 </a:solidFill>
@@ -14632,7 +14990,7 @@
           <a:lstStyle/>
           <a:p>
             <a:pPr algn="ctr"/>
-            <a:endParaRPr lang="en-US"/>
+            <a:endParaRPr lang="en-US" b="1"/>
           </a:p>
         </p:txBody>
       </p:sp>
@@ -14665,7 +15023,7 @@
           <a:lstStyle/>
           <a:p>
             <a:r>
-              <a:rPr lang="en-US" dirty="0">
+              <a:rPr lang="en-US" b="1" dirty="0">
                 <a:solidFill>
                   <a:schemeClr val="bg1"/>
                 </a:solidFill>
@@ -14725,7 +15083,7 @@
           <a:lstStyle/>
           <a:p>
             <a:pPr algn="ctr"/>
-            <a:endParaRPr lang="en-US"/>
+            <a:endParaRPr lang="en-US" b="1"/>
           </a:p>
         </p:txBody>
       </p:sp>
@@ -14758,7 +15116,7 @@
           <a:lstStyle/>
           <a:p>
             <a:r>
-              <a:rPr lang="en-US" dirty="0">
+              <a:rPr lang="en-US" b="1" dirty="0">
                 <a:solidFill>
                   <a:schemeClr val="bg1"/>
                 </a:solidFill>

--- a/slides/0010.pptx
+++ b/slides/0010.pptx
@@ -266,7 +266,7 @@
           <a:p>
             <a:fld id="{5AEC58D5-D0FD-5D43-AC21-2C9A8E377766}" type="datetimeFigureOut">
               <a:rPr lang="en-US" smtClean="0"/>
-              <a:t>7/22/18</a:t>
+              <a:t>7/26/18</a:t>
             </a:fld>
             <a:endParaRPr lang="en-US"/>
           </a:p>
@@ -464,7 +464,7 @@
           <a:p>
             <a:fld id="{5AEC58D5-D0FD-5D43-AC21-2C9A8E377766}" type="datetimeFigureOut">
               <a:rPr lang="en-US" smtClean="0"/>
-              <a:t>7/22/18</a:t>
+              <a:t>7/26/18</a:t>
             </a:fld>
             <a:endParaRPr lang="en-US"/>
           </a:p>
@@ -672,7 +672,7 @@
           <a:p>
             <a:fld id="{5AEC58D5-D0FD-5D43-AC21-2C9A8E377766}" type="datetimeFigureOut">
               <a:rPr lang="en-US" smtClean="0"/>
-              <a:t>7/22/18</a:t>
+              <a:t>7/26/18</a:t>
             </a:fld>
             <a:endParaRPr lang="en-US"/>
           </a:p>
@@ -870,7 +870,7 @@
           <a:p>
             <a:fld id="{5AEC58D5-D0FD-5D43-AC21-2C9A8E377766}" type="datetimeFigureOut">
               <a:rPr lang="en-US" smtClean="0"/>
-              <a:t>7/22/18</a:t>
+              <a:t>7/26/18</a:t>
             </a:fld>
             <a:endParaRPr lang="en-US"/>
           </a:p>
@@ -1145,7 +1145,7 @@
           <a:p>
             <a:fld id="{5AEC58D5-D0FD-5D43-AC21-2C9A8E377766}" type="datetimeFigureOut">
               <a:rPr lang="en-US" smtClean="0"/>
-              <a:t>7/22/18</a:t>
+              <a:t>7/26/18</a:t>
             </a:fld>
             <a:endParaRPr lang="en-US"/>
           </a:p>
@@ -1410,7 +1410,7 @@
           <a:p>
             <a:fld id="{5AEC58D5-D0FD-5D43-AC21-2C9A8E377766}" type="datetimeFigureOut">
               <a:rPr lang="en-US" smtClean="0"/>
-              <a:t>7/22/18</a:t>
+              <a:t>7/26/18</a:t>
             </a:fld>
             <a:endParaRPr lang="en-US"/>
           </a:p>
@@ -1822,7 +1822,7 @@
           <a:p>
             <a:fld id="{5AEC58D5-D0FD-5D43-AC21-2C9A8E377766}" type="datetimeFigureOut">
               <a:rPr lang="en-US" smtClean="0"/>
-              <a:t>7/22/18</a:t>
+              <a:t>7/26/18</a:t>
             </a:fld>
             <a:endParaRPr lang="en-US"/>
           </a:p>
@@ -1963,7 +1963,7 @@
           <a:p>
             <a:fld id="{5AEC58D5-D0FD-5D43-AC21-2C9A8E377766}" type="datetimeFigureOut">
               <a:rPr lang="en-US" smtClean="0"/>
-              <a:t>7/22/18</a:t>
+              <a:t>7/26/18</a:t>
             </a:fld>
             <a:endParaRPr lang="en-US"/>
           </a:p>
@@ -2076,7 +2076,7 @@
           <a:p>
             <a:fld id="{5AEC58D5-D0FD-5D43-AC21-2C9A8E377766}" type="datetimeFigureOut">
               <a:rPr lang="en-US" smtClean="0"/>
-              <a:t>7/22/18</a:t>
+              <a:t>7/26/18</a:t>
             </a:fld>
             <a:endParaRPr lang="en-US"/>
           </a:p>
@@ -2387,7 +2387,7 @@
           <a:p>
             <a:fld id="{5AEC58D5-D0FD-5D43-AC21-2C9A8E377766}" type="datetimeFigureOut">
               <a:rPr lang="en-US" smtClean="0"/>
-              <a:t>7/22/18</a:t>
+              <a:t>7/26/18</a:t>
             </a:fld>
             <a:endParaRPr lang="en-US"/>
           </a:p>
@@ -2675,7 +2675,7 @@
           <a:p>
             <a:fld id="{5AEC58D5-D0FD-5D43-AC21-2C9A8E377766}" type="datetimeFigureOut">
               <a:rPr lang="en-US" smtClean="0"/>
-              <a:t>7/22/18</a:t>
+              <a:t>7/26/18</a:t>
             </a:fld>
             <a:endParaRPr lang="en-US"/>
           </a:p>
@@ -2916,7 +2916,7 @@
           <a:p>
             <a:fld id="{5AEC58D5-D0FD-5D43-AC21-2C9A8E377766}" type="datetimeFigureOut">
               <a:rPr lang="en-US" smtClean="0"/>
-              <a:t>7/22/18</a:t>
+              <a:t>7/26/18</a:t>
             </a:fld>
             <a:endParaRPr lang="en-US"/>
           </a:p>
@@ -3923,42 +3923,6 @@
           </a:p>
         </p:txBody>
       </p:sp>
-      <p:pic>
-        <p:nvPicPr>
-          <p:cNvPr id="6" name="Picture 5">
-            <a:extLst>
-              <a:ext uri="{FF2B5EF4-FFF2-40B4-BE49-F238E27FC236}">
-                <a16:creationId xmlns:a16="http://schemas.microsoft.com/office/drawing/2014/main" id="{7B3E8A2B-384B-7048-B7CC-360DCC2C39AF}"/>
-              </a:ext>
-            </a:extLst>
-          </p:cNvPr>
-          <p:cNvPicPr>
-            <a:picLocks noChangeAspect="1"/>
-          </p:cNvPicPr>
-          <p:nvPr/>
-        </p:nvPicPr>
-        <p:blipFill>
-          <a:blip r:embed="rId2">
-            <a:extLst>
-              <a:ext uri="{28A0092B-C50C-407E-A947-70E740481C1C}">
-                <a14:useLocalDpi xmlns:a14="http://schemas.microsoft.com/office/drawing/2010/main" val="0"/>
-              </a:ext>
-            </a:extLst>
-          </a:blip>
-          <a:stretch>
-            <a:fillRect/>
-          </a:stretch>
-        </p:blipFill>
-        <p:spPr>
-          <a:xfrm>
-            <a:off x="9668286" y="321395"/>
-            <a:ext cx="2253786" cy="2253786"/>
-          </a:xfrm>
-          <a:prstGeom prst="rect">
-            <a:avLst/>
-          </a:prstGeom>
-        </p:spPr>
-      </p:pic>
       <p:sp>
         <p:nvSpPr>
           <p:cNvPr id="10" name="Rectangle 9">
@@ -5310,7 +5274,7 @@
           <p:nvPr/>
         </p:nvPicPr>
         <p:blipFill>
-          <a:blip r:embed="rId3">
+          <a:blip r:embed="rId2">
             <a:extLst>
               <a:ext uri="{28A0092B-C50C-407E-A947-70E740481C1C}">
                 <a14:useLocalDpi xmlns:a14="http://schemas.microsoft.com/office/drawing/2010/main" val="0"/>
@@ -5346,7 +5310,7 @@
           <p:nvPr/>
         </p:nvPicPr>
         <p:blipFill>
-          <a:blip r:embed="rId4">
+          <a:blip r:embed="rId3">
             <a:extLst>
               <a:ext uri="{28A0092B-C50C-407E-A947-70E740481C1C}">
                 <a14:useLocalDpi xmlns:a14="http://schemas.microsoft.com/office/drawing/2010/main" val="0"/>
@@ -5382,7 +5346,7 @@
           <p:nvPr/>
         </p:nvPicPr>
         <p:blipFill>
-          <a:blip r:embed="rId5">
+          <a:blip r:embed="rId4">
             <a:extLst>
               <a:ext uri="{28A0092B-C50C-407E-A947-70E740481C1C}">
                 <a14:useLocalDpi xmlns:a14="http://schemas.microsoft.com/office/drawing/2010/main" val="0"/>
@@ -5418,7 +5382,7 @@
           <p:nvPr/>
         </p:nvPicPr>
         <p:blipFill>
-          <a:blip r:embed="rId6">
+          <a:blip r:embed="rId5">
             <a:extLst>
               <a:ext uri="{28A0092B-C50C-407E-A947-70E740481C1C}">
                 <a14:useLocalDpi xmlns:a14="http://schemas.microsoft.com/office/drawing/2010/main" val="0"/>
@@ -5454,7 +5418,7 @@
           <p:nvPr/>
         </p:nvPicPr>
         <p:blipFill>
-          <a:blip r:embed="rId7">
+          <a:blip r:embed="rId6">
             <a:extLst>
               <a:ext uri="{28A0092B-C50C-407E-A947-70E740481C1C}">
                 <a14:useLocalDpi xmlns:a14="http://schemas.microsoft.com/office/drawing/2010/main" val="0"/>
@@ -5490,7 +5454,7 @@
           <p:nvPr/>
         </p:nvPicPr>
         <p:blipFill>
-          <a:blip r:embed="rId7">
+          <a:blip r:embed="rId6">
             <a:extLst>
               <a:ext uri="{28A0092B-C50C-407E-A947-70E740481C1C}">
                 <a14:useLocalDpi xmlns:a14="http://schemas.microsoft.com/office/drawing/2010/main" val="0"/>
@@ -5526,7 +5490,7 @@
           <p:nvPr/>
         </p:nvPicPr>
         <p:blipFill>
-          <a:blip r:embed="rId4">
+          <a:blip r:embed="rId3">
             <a:extLst>
               <a:ext uri="{28A0092B-C50C-407E-A947-70E740481C1C}">
                 <a14:useLocalDpi xmlns:a14="http://schemas.microsoft.com/office/drawing/2010/main" val="0"/>
@@ -5562,7 +5526,7 @@
           <p:nvPr/>
         </p:nvPicPr>
         <p:blipFill>
-          <a:blip r:embed="rId5">
+          <a:blip r:embed="rId4">
             <a:extLst>
               <a:ext uri="{28A0092B-C50C-407E-A947-70E740481C1C}">
                 <a14:useLocalDpi xmlns:a14="http://schemas.microsoft.com/office/drawing/2010/main" val="0"/>
@@ -5598,7 +5562,7 @@
           <p:nvPr/>
         </p:nvPicPr>
         <p:blipFill>
-          <a:blip r:embed="rId3">
+          <a:blip r:embed="rId2">
             <a:extLst>
               <a:ext uri="{28A0092B-C50C-407E-A947-70E740481C1C}">
                 <a14:useLocalDpi xmlns:a14="http://schemas.microsoft.com/office/drawing/2010/main" val="0"/>
@@ -5634,7 +5598,7 @@
           <p:nvPr/>
         </p:nvPicPr>
         <p:blipFill>
-          <a:blip r:embed="rId6">
+          <a:blip r:embed="rId5">
             <a:extLst>
               <a:ext uri="{28A0092B-C50C-407E-A947-70E740481C1C}">
                 <a14:useLocalDpi xmlns:a14="http://schemas.microsoft.com/office/drawing/2010/main" val="0"/>
@@ -5863,6 +5827,42 @@
           </a:p>
         </p:txBody>
       </p:sp>
+      <p:pic>
+        <p:nvPicPr>
+          <p:cNvPr id="4" name="Picture 3">
+            <a:extLst>
+              <a:ext uri="{FF2B5EF4-FFF2-40B4-BE49-F238E27FC236}">
+                <a16:creationId xmlns:a16="http://schemas.microsoft.com/office/drawing/2014/main" id="{411DC213-28D7-E342-91C8-F8E24EB1856C}"/>
+              </a:ext>
+            </a:extLst>
+          </p:cNvPr>
+          <p:cNvPicPr>
+            <a:picLocks noChangeAspect="1"/>
+          </p:cNvPicPr>
+          <p:nvPr/>
+        </p:nvPicPr>
+        <p:blipFill>
+          <a:blip r:embed="rId7">
+            <a:extLst>
+              <a:ext uri="{28A0092B-C50C-407E-A947-70E740481C1C}">
+                <a14:useLocalDpi xmlns:a14="http://schemas.microsoft.com/office/drawing/2010/main" val="0"/>
+              </a:ext>
+            </a:extLst>
+          </a:blip>
+          <a:stretch>
+            <a:fillRect/>
+          </a:stretch>
+        </p:blipFill>
+        <p:spPr>
+          <a:xfrm>
+            <a:off x="10041740" y="573156"/>
+            <a:ext cx="1628827" cy="1628827"/>
+          </a:xfrm>
+          <a:prstGeom prst="rect">
+            <a:avLst/>
+          </a:prstGeom>
+        </p:spPr>
+      </p:pic>
     </p:spTree>
     <p:extLst>
       <p:ext uri="{BB962C8B-B14F-4D97-AF65-F5344CB8AC3E}">
